--- a/학회 제출본/게임 및 영상 분석 작업/5. 타 장르 분석/2. 시트지 기반 분석 PPT/200717_하계특훈_체크리스트&DBD&LOL.pptx
+++ b/학회 제출본/게임 및 영상 분석 작업/5. 타 장르 분석/2. 시트지 기반 분석 PPT/200717_하계특훈_체크리스트&DBD&LOL.pptx
@@ -5,17 +5,16 @@
     <p:sldMasterId id="2147483660" r:id="rId1"/>
   </p:sldMasterIdLst>
   <p:notesMasterIdLst>
-    <p:notesMasterId r:id="rId10"/>
+    <p:notesMasterId r:id="rId9"/>
   </p:notesMasterIdLst>
   <p:sldIdLst>
-    <p:sldId id="259" r:id="rId2"/>
-    <p:sldId id="308" r:id="rId3"/>
-    <p:sldId id="312" r:id="rId4"/>
-    <p:sldId id="326" r:id="rId5"/>
-    <p:sldId id="316" r:id="rId6"/>
-    <p:sldId id="327" r:id="rId7"/>
-    <p:sldId id="328" r:id="rId8"/>
-    <p:sldId id="329" r:id="rId9"/>
+    <p:sldId id="308" r:id="rId2"/>
+    <p:sldId id="312" r:id="rId3"/>
+    <p:sldId id="326" r:id="rId4"/>
+    <p:sldId id="316" r:id="rId5"/>
+    <p:sldId id="327" r:id="rId6"/>
+    <p:sldId id="328" r:id="rId7"/>
+    <p:sldId id="329" r:id="rId8"/>
   </p:sldIdLst>
   <p:sldSz cx="12192000" cy="6858000"/>
   <p:notesSz cx="6858000" cy="9144000"/>
@@ -230,7 +229,7 @@
           <a:p>
             <a:fld id="{413548A9-17B7-486F-BAE8-5C551821AB5E}" type="datetimeFigureOut">
               <a:rPr lang="ko-KR" altLang="en-US" smtClean="0"/>
-              <a:t>2020-08-25</a:t>
+              <a:t>2020-09-20</a:t>
             </a:fld>
             <a:endParaRPr lang="ko-KR" altLang="en-US"/>
           </a:p>
@@ -635,7 +634,7 @@
                   </a:prstClr>
                 </a:solidFill>
               </a:rPr>
-              <a:t>2020-08-25</a:t>
+              <a:t>2020-09-20</a:t>
             </a:fld>
             <a:endParaRPr lang="ko-KR" altLang="en-US">
               <a:solidFill>
@@ -800,7 +799,7 @@
                   </a:prstClr>
                 </a:solidFill>
               </a:rPr>
-              <a:t>2020-08-25</a:t>
+              <a:t>2020-09-20</a:t>
             </a:fld>
             <a:endParaRPr lang="ko-KR" altLang="en-US">
               <a:solidFill>
@@ -975,7 +974,7 @@
                   </a:prstClr>
                 </a:solidFill>
               </a:rPr>
-              <a:t>2020-08-25</a:t>
+              <a:t>2020-09-20</a:t>
             </a:fld>
             <a:endParaRPr lang="ko-KR" altLang="en-US">
               <a:solidFill>
@@ -1140,7 +1139,7 @@
                   </a:prstClr>
                 </a:solidFill>
               </a:rPr>
-              <a:t>2020-08-25</a:t>
+              <a:t>2020-09-20</a:t>
             </a:fld>
             <a:endParaRPr lang="ko-KR" altLang="en-US">
               <a:solidFill>
@@ -1381,7 +1380,7 @@
                   </a:prstClr>
                 </a:solidFill>
               </a:rPr>
-              <a:t>2020-08-25</a:t>
+              <a:t>2020-09-20</a:t>
             </a:fld>
             <a:endParaRPr lang="ko-KR" altLang="en-US">
               <a:solidFill>
@@ -1608,7 +1607,7 @@
                   </a:prstClr>
                 </a:solidFill>
               </a:rPr>
-              <a:t>2020-08-25</a:t>
+              <a:t>2020-09-20</a:t>
             </a:fld>
             <a:endParaRPr lang="ko-KR" altLang="en-US">
               <a:solidFill>
@@ -1970,7 +1969,7 @@
                   </a:prstClr>
                 </a:solidFill>
               </a:rPr>
-              <a:t>2020-08-25</a:t>
+              <a:t>2020-09-20</a:t>
             </a:fld>
             <a:endParaRPr lang="ko-KR" altLang="en-US">
               <a:solidFill>
@@ -2083,7 +2082,7 @@
                   </a:prstClr>
                 </a:solidFill>
               </a:rPr>
-              <a:t>2020-08-25</a:t>
+              <a:t>2020-09-20</a:t>
             </a:fld>
             <a:endParaRPr lang="ko-KR" altLang="en-US">
               <a:solidFill>
@@ -2173,7 +2172,7 @@
                   </a:prstClr>
                 </a:solidFill>
               </a:rPr>
-              <a:t>2020-08-25</a:t>
+              <a:t>2020-09-20</a:t>
             </a:fld>
             <a:endParaRPr lang="ko-KR" altLang="en-US">
               <a:solidFill>
@@ -2445,7 +2444,7 @@
                   </a:prstClr>
                 </a:solidFill>
               </a:rPr>
-              <a:t>2020-08-25</a:t>
+              <a:t>2020-09-20</a:t>
             </a:fld>
             <a:endParaRPr lang="ko-KR" altLang="en-US">
               <a:solidFill>
@@ -2693,7 +2692,7 @@
                   </a:prstClr>
                 </a:solidFill>
               </a:rPr>
-              <a:t>2020-08-25</a:t>
+              <a:t>2020-09-20</a:t>
             </a:fld>
             <a:endParaRPr lang="ko-KR" altLang="en-US">
               <a:solidFill>
@@ -2901,7 +2900,7 @@
                   </a:prstClr>
                 </a:solidFill>
               </a:rPr>
-              <a:t>2020-08-25</a:t>
+              <a:t>2020-09-20</a:t>
             </a:fld>
             <a:endParaRPr lang="ko-KR" altLang="en-US">
               <a:solidFill>
@@ -3427,533 +3426,6 @@
       </p:grpSpPr>
       <p:cxnSp>
         <p:nvCxnSpPr>
-          <p:cNvPr id="36" name="직선 연결선 35"/>
-          <p:cNvCxnSpPr/>
-          <p:nvPr/>
-        </p:nvCxnSpPr>
-        <p:spPr>
-          <a:xfrm>
-            <a:off x="4324692" y="3382913"/>
-            <a:ext cx="3600000" cy="0"/>
-          </a:xfrm>
-          <a:prstGeom prst="line">
-            <a:avLst/>
-          </a:prstGeom>
-          <a:ln>
-            <a:solidFill>
-              <a:srgbClr val="D02646"/>
-            </a:solidFill>
-          </a:ln>
-        </p:spPr>
-        <p:style>
-          <a:lnRef idx="1">
-            <a:schemeClr val="accent1"/>
-          </a:lnRef>
-          <a:fillRef idx="0">
-            <a:schemeClr val="accent1"/>
-          </a:fillRef>
-          <a:effectRef idx="0">
-            <a:schemeClr val="accent1"/>
-          </a:effectRef>
-          <a:fontRef idx="minor">
-            <a:schemeClr val="tx1"/>
-          </a:fontRef>
-        </p:style>
-      </p:cxnSp>
-      <p:cxnSp>
-        <p:nvCxnSpPr>
-          <p:cNvPr id="23" name="직선 연결선 22"/>
-          <p:cNvCxnSpPr/>
-          <p:nvPr/>
-        </p:nvCxnSpPr>
-        <p:spPr>
-          <a:xfrm>
-            <a:off x="589055" y="2644836"/>
-            <a:ext cx="10800000" cy="0"/>
-          </a:xfrm>
-          <a:prstGeom prst="line">
-            <a:avLst/>
-          </a:prstGeom>
-          <a:ln>
-            <a:solidFill>
-              <a:srgbClr val="D02646"/>
-            </a:solidFill>
-          </a:ln>
-        </p:spPr>
-        <p:style>
-          <a:lnRef idx="1">
-            <a:schemeClr val="accent1"/>
-          </a:lnRef>
-          <a:fillRef idx="0">
-            <a:schemeClr val="accent1"/>
-          </a:fillRef>
-          <a:effectRef idx="0">
-            <a:schemeClr val="accent1"/>
-          </a:effectRef>
-          <a:fontRef idx="minor">
-            <a:schemeClr val="tx1"/>
-          </a:fontRef>
-        </p:style>
-      </p:cxnSp>
-      <p:sp>
-        <p:nvSpPr>
-          <p:cNvPr id="24" name="직사각형 23"/>
-          <p:cNvSpPr/>
-          <p:nvPr/>
-        </p:nvSpPr>
-        <p:spPr>
-          <a:xfrm>
-            <a:off x="2624269" y="2061984"/>
-            <a:ext cx="7000847" cy="1208023"/>
-          </a:xfrm>
-          <a:prstGeom prst="rect">
-            <a:avLst/>
-          </a:prstGeom>
-          <a:solidFill>
-            <a:srgbClr val="EAEEFA"/>
-          </a:solidFill>
-        </p:spPr>
-        <p:txBody>
-          <a:bodyPr wrap="square">
-            <a:spAutoFit/>
-          </a:bodyPr>
-          <a:lstStyle/>
-          <a:p>
-            <a:pPr algn="ctr" fontAlgn="base"/>
-            <a:r>
-              <a:rPr lang="ko-KR" altLang="en-US" sz="2800" b="1" dirty="0"/>
-              <a:t>방송을 통한 </a:t>
-            </a:r>
-            <a:r>
-              <a:rPr lang="ko-KR" altLang="en-US" sz="2800" b="1" dirty="0" err="1" smtClean="0"/>
-              <a:t>루돌로지</a:t>
-            </a:r>
-            <a:r>
-              <a:rPr lang="ko-KR" altLang="en-US" sz="2800" b="1" dirty="0" smtClean="0"/>
-              <a:t> 게임의 </a:t>
-            </a:r>
-            <a:r>
-              <a:rPr lang="ko-KR" altLang="en-US" sz="2800" b="1" dirty="0" err="1" smtClean="0"/>
-              <a:t>스토리텔링</a:t>
-            </a:r>
-            <a:r>
-              <a:rPr lang="ko-KR" altLang="en-US" sz="2800" b="1" dirty="0" smtClean="0"/>
-              <a:t> 획득과 게임 </a:t>
-            </a:r>
-            <a:r>
-              <a:rPr lang="ko-KR" altLang="en-US" sz="2800" b="1" dirty="0"/>
-              <a:t>기획에의 적용 연구</a:t>
-            </a:r>
-          </a:p>
-          <a:p>
-            <a:pPr algn="ctr">
-              <a:lnSpc>
-                <a:spcPct val="150000"/>
-              </a:lnSpc>
-            </a:pPr>
-            <a:r>
-              <a:rPr lang="en-US" altLang="ko-KR" sz="1100" dirty="0">
-                <a:solidFill>
-                  <a:prstClr val="black">
-                    <a:lumMod val="65000"/>
-                    <a:lumOff val="35000"/>
-                  </a:prstClr>
-                </a:solidFill>
-              </a:rPr>
-              <a:t>A Study on the storytelling acquisition</a:t>
-            </a:r>
-            <a:r>
-              <a:rPr lang="ko-KR" altLang="en-US" sz="1100" dirty="0">
-                <a:solidFill>
-                  <a:prstClr val="black">
-                    <a:lumMod val="65000"/>
-                    <a:lumOff val="35000"/>
-                  </a:prstClr>
-                </a:solidFill>
-              </a:rPr>
-              <a:t> </a:t>
-            </a:r>
-            <a:r>
-              <a:rPr lang="en-US" altLang="ko-KR" sz="1100" dirty="0">
-                <a:solidFill>
-                  <a:prstClr val="black">
-                    <a:lumMod val="65000"/>
-                    <a:lumOff val="35000"/>
-                  </a:prstClr>
-                </a:solidFill>
-              </a:rPr>
-              <a:t>and application of </a:t>
-            </a:r>
-            <a:r>
-              <a:rPr lang="en-US" altLang="ko-KR" sz="1100" dirty="0" smtClean="0">
-                <a:solidFill>
-                  <a:prstClr val="black">
-                    <a:lumMod val="65000"/>
-                    <a:lumOff val="35000"/>
-                  </a:prstClr>
-                </a:solidFill>
-              </a:rPr>
-              <a:t>game </a:t>
-            </a:r>
-            <a:r>
-              <a:rPr lang="en-US" altLang="ko-KR" sz="1100" dirty="0">
-                <a:solidFill>
-                  <a:prstClr val="black">
-                    <a:lumMod val="65000"/>
-                    <a:lumOff val="35000"/>
-                  </a:prstClr>
-                </a:solidFill>
-              </a:rPr>
-              <a:t>through streaming service.</a:t>
-            </a:r>
-            <a:endParaRPr lang="ko-KR" altLang="en-US" sz="1100" dirty="0">
-              <a:solidFill>
-                <a:prstClr val="black">
-                  <a:lumMod val="65000"/>
-                  <a:lumOff val="35000"/>
-                </a:prstClr>
-              </a:solidFill>
-            </a:endParaRPr>
-          </a:p>
-        </p:txBody>
-      </p:sp>
-      <p:sp>
-        <p:nvSpPr>
-          <p:cNvPr id="31" name="직사각형 30"/>
-          <p:cNvSpPr/>
-          <p:nvPr/>
-        </p:nvSpPr>
-        <p:spPr>
-          <a:xfrm>
-            <a:off x="4804458" y="3379209"/>
-            <a:ext cx="2640467" cy="276999"/>
-          </a:xfrm>
-          <a:prstGeom prst="rect">
-            <a:avLst/>
-          </a:prstGeom>
-          <a:solidFill>
-            <a:srgbClr val="E05670"/>
-          </a:solidFill>
-        </p:spPr>
-        <p:txBody>
-          <a:bodyPr wrap="none">
-            <a:spAutoFit/>
-          </a:bodyPr>
-          <a:lstStyle/>
-          <a:p>
-            <a:pPr algn="ctr"/>
-            <a:r>
-              <a:rPr lang="ko-KR" altLang="en-US" sz="1200" b="1" dirty="0" err="1" smtClean="0">
-                <a:solidFill>
-                  <a:prstClr val="white"/>
-                </a:solidFill>
-              </a:rPr>
-              <a:t>게임공학과</a:t>
-            </a:r>
-            <a:r>
-              <a:rPr lang="ko-KR" altLang="en-US" sz="1200" b="1" dirty="0" smtClean="0">
-                <a:solidFill>
-                  <a:prstClr val="white"/>
-                </a:solidFill>
-              </a:rPr>
-              <a:t>  </a:t>
-            </a:r>
-            <a:r>
-              <a:rPr lang="en-US" altLang="ko-KR" sz="1200" b="1" dirty="0" smtClean="0">
-                <a:solidFill>
-                  <a:prstClr val="white"/>
-                </a:solidFill>
-              </a:rPr>
-              <a:t>2014180011  </a:t>
-            </a:r>
-            <a:r>
-              <a:rPr lang="ko-KR" altLang="en-US" sz="1200" b="1" dirty="0" smtClean="0">
-                <a:solidFill>
-                  <a:prstClr val="white"/>
-                </a:solidFill>
-              </a:rPr>
-              <a:t>김 영 범</a:t>
-            </a:r>
-            <a:endParaRPr lang="ko-KR" altLang="en-US" sz="1200" b="1" dirty="0">
-              <a:solidFill>
-                <a:prstClr val="white"/>
-              </a:solidFill>
-            </a:endParaRPr>
-          </a:p>
-        </p:txBody>
-      </p:sp>
-      <p:sp>
-        <p:nvSpPr>
-          <p:cNvPr id="6" name="직사각형 5">
-            <a:extLst>
-              <a:ext uri="{FF2B5EF4-FFF2-40B4-BE49-F238E27FC236}">
-                <a16:creationId xmlns:a16="http://schemas.microsoft.com/office/drawing/2014/main" id="{3FA00699-5178-465A-9F3F-130CF1431F70}"/>
-              </a:ext>
-            </a:extLst>
-          </p:cNvPr>
-          <p:cNvSpPr/>
-          <p:nvPr/>
-        </p:nvSpPr>
-        <p:spPr>
-          <a:xfrm>
-            <a:off x="589054" y="4688601"/>
-            <a:ext cx="2661221" cy="830997"/>
-          </a:xfrm>
-          <a:prstGeom prst="rect">
-            <a:avLst/>
-          </a:prstGeom>
-        </p:spPr>
-        <p:txBody>
-          <a:bodyPr wrap="square">
-            <a:spAutoFit/>
-          </a:bodyPr>
-          <a:lstStyle/>
-          <a:p>
-            <a:pPr>
-              <a:lnSpc>
-                <a:spcPct val="150000"/>
-              </a:lnSpc>
-            </a:pPr>
-            <a:r>
-              <a:rPr lang="en-US" altLang="ko-KR" sz="1600" dirty="0" smtClean="0">
-                <a:solidFill>
-                  <a:srgbClr val="44546A">
-                    <a:lumMod val="75000"/>
-                  </a:srgbClr>
-                </a:solidFill>
-              </a:rPr>
-              <a:t>2020</a:t>
-            </a:r>
-            <a:r>
-              <a:rPr lang="ko-KR" altLang="en-US" sz="1600" dirty="0" smtClean="0">
-                <a:solidFill>
-                  <a:srgbClr val="44546A">
-                    <a:lumMod val="75000"/>
-                  </a:srgbClr>
-                </a:solidFill>
-              </a:rPr>
-              <a:t>년도 </a:t>
-            </a:r>
-            <a:r>
-              <a:rPr lang="ko-KR" altLang="en-US" sz="1600" dirty="0" err="1" smtClean="0">
-                <a:solidFill>
-                  <a:srgbClr val="44546A">
-                    <a:lumMod val="75000"/>
-                  </a:srgbClr>
-                </a:solidFill>
-              </a:rPr>
-              <a:t>게임공학부</a:t>
-            </a:r>
-            <a:endParaRPr lang="en-US" altLang="ko-KR" sz="1600" dirty="0" smtClean="0">
-              <a:solidFill>
-                <a:srgbClr val="44546A">
-                  <a:lumMod val="75000"/>
-                </a:srgbClr>
-              </a:solidFill>
-            </a:endParaRPr>
-          </a:p>
-          <a:p>
-            <a:pPr>
-              <a:lnSpc>
-                <a:spcPct val="150000"/>
-              </a:lnSpc>
-            </a:pPr>
-            <a:r>
-              <a:rPr lang="ko-KR" altLang="en-US" sz="1600" dirty="0" smtClean="0">
-                <a:solidFill>
-                  <a:srgbClr val="44546A">
-                    <a:lumMod val="75000"/>
-                  </a:srgbClr>
-                </a:solidFill>
-              </a:rPr>
-              <a:t>종합설계</a:t>
-            </a:r>
-            <a:r>
-              <a:rPr lang="en-US" altLang="ko-KR" sz="1600" dirty="0" smtClean="0">
-                <a:solidFill>
-                  <a:srgbClr val="44546A">
-                    <a:lumMod val="75000"/>
-                  </a:srgbClr>
-                </a:solidFill>
-              </a:rPr>
-              <a:t> </a:t>
-            </a:r>
-            <a:r>
-              <a:rPr lang="ko-KR" altLang="en-US" sz="1600" dirty="0" smtClean="0">
-                <a:solidFill>
-                  <a:srgbClr val="44546A">
-                    <a:lumMod val="75000"/>
-                  </a:srgbClr>
-                </a:solidFill>
-              </a:rPr>
-              <a:t>졸업작품 발표</a:t>
-            </a:r>
-            <a:endParaRPr lang="en-US" altLang="ko-KR" sz="1600" dirty="0">
-              <a:solidFill>
-                <a:srgbClr val="44546A">
-                  <a:lumMod val="75000"/>
-                </a:srgbClr>
-              </a:solidFill>
-            </a:endParaRPr>
-          </a:p>
-        </p:txBody>
-      </p:sp>
-      <p:sp>
-        <p:nvSpPr>
-          <p:cNvPr id="7" name="직사각형 6">
-            <a:extLst>
-              <a:ext uri="{FF2B5EF4-FFF2-40B4-BE49-F238E27FC236}">
-                <a16:creationId xmlns:a16="http://schemas.microsoft.com/office/drawing/2014/main" id="{3FA00699-5178-465A-9F3F-130CF1431F70}"/>
-              </a:ext>
-            </a:extLst>
-          </p:cNvPr>
-          <p:cNvSpPr/>
-          <p:nvPr/>
-        </p:nvSpPr>
-        <p:spPr>
-          <a:xfrm>
-            <a:off x="589055" y="5642533"/>
-            <a:ext cx="2661220" cy="461665"/>
-          </a:xfrm>
-          <a:prstGeom prst="rect">
-            <a:avLst/>
-          </a:prstGeom>
-          <a:ln w="12700">
-            <a:solidFill>
-              <a:schemeClr val="tx1"/>
-            </a:solidFill>
-          </a:ln>
-        </p:spPr>
-        <p:txBody>
-          <a:bodyPr wrap="square" anchor="ctr">
-            <a:spAutoFit/>
-          </a:bodyPr>
-          <a:lstStyle/>
-          <a:p>
-            <a:pPr>
-              <a:lnSpc>
-                <a:spcPct val="150000"/>
-              </a:lnSpc>
-            </a:pPr>
-            <a:r>
-              <a:rPr lang="en-US" altLang="ko-KR" sz="1600" dirty="0" smtClean="0">
-                <a:solidFill>
-                  <a:srgbClr val="44546A">
-                    <a:lumMod val="75000"/>
-                  </a:srgbClr>
-                </a:solidFill>
-              </a:rPr>
-              <a:t>Prof. </a:t>
-            </a:r>
-            <a:endParaRPr lang="en-US" altLang="ko-KR" sz="1600" dirty="0">
-              <a:solidFill>
-                <a:srgbClr val="44546A">
-                  <a:lumMod val="75000"/>
-                </a:srgbClr>
-              </a:solidFill>
-            </a:endParaRPr>
-          </a:p>
-        </p:txBody>
-      </p:sp>
-      <p:sp>
-        <p:nvSpPr>
-          <p:cNvPr id="8" name="직사각형 7">
-            <a:extLst>
-              <a:ext uri="{FF2B5EF4-FFF2-40B4-BE49-F238E27FC236}">
-                <a16:creationId xmlns:a16="http://schemas.microsoft.com/office/drawing/2014/main" id="{3FA00699-5178-465A-9F3F-130CF1431F70}"/>
-              </a:ext>
-            </a:extLst>
-          </p:cNvPr>
-          <p:cNvSpPr/>
-          <p:nvPr/>
-        </p:nvSpPr>
-        <p:spPr>
-          <a:xfrm>
-            <a:off x="464363" y="6227133"/>
-            <a:ext cx="1854888" cy="461665"/>
-          </a:xfrm>
-          <a:prstGeom prst="rect">
-            <a:avLst/>
-          </a:prstGeom>
-        </p:spPr>
-        <p:txBody>
-          <a:bodyPr wrap="square">
-            <a:spAutoFit/>
-          </a:bodyPr>
-          <a:lstStyle/>
-          <a:p>
-            <a:pPr algn="ctr">
-              <a:lnSpc>
-                <a:spcPct val="150000"/>
-              </a:lnSpc>
-            </a:pPr>
-            <a:r>
-              <a:rPr lang="en-US" altLang="ko-KR" sz="1600" dirty="0" smtClean="0">
-                <a:solidFill>
-                  <a:srgbClr val="44546A">
-                    <a:lumMod val="75000"/>
-                  </a:srgbClr>
-                </a:solidFill>
-              </a:rPr>
-              <a:t>2020 – 07 – 17</a:t>
-            </a:r>
-            <a:endParaRPr lang="en-US" altLang="ko-KR" sz="1600" dirty="0">
-              <a:solidFill>
-                <a:srgbClr val="44546A">
-                  <a:lumMod val="75000"/>
-                </a:srgbClr>
-              </a:solidFill>
-            </a:endParaRPr>
-          </a:p>
-        </p:txBody>
-      </p:sp>
-    </p:spTree>
-    <p:extLst>
-      <p:ext uri="{BB962C8B-B14F-4D97-AF65-F5344CB8AC3E}">
-        <p14:creationId xmlns:p14="http://schemas.microsoft.com/office/powerpoint/2010/main" val="2820336349"/>
-      </p:ext>
-    </p:extLst>
-  </p:cSld>
-  <p:clrMapOvr>
-    <a:masterClrMapping/>
-  </p:clrMapOvr>
-  <p:timing>
-    <p:tnLst>
-      <p:par>
-        <p:cTn id="1" dur="indefinite" restart="never" nodeType="tmRoot"/>
-      </p:par>
-    </p:tnLst>
-  </p:timing>
-</p:sld>
-</file>
-
-<file path=ppt/slides/slide2.xml><?xml version="1.0" encoding="utf-8"?>
-<p:sld xmlns:a="http://schemas.openxmlformats.org/drawingml/2006/main" xmlns:r="http://schemas.openxmlformats.org/officeDocument/2006/relationships" xmlns:p="http://schemas.openxmlformats.org/presentationml/2006/main">
-  <p:cSld>
-    <p:bg>
-      <p:bgPr>
-        <a:solidFill>
-          <a:srgbClr val="EAEEFA"/>
-        </a:solidFill>
-        <a:effectLst/>
-      </p:bgPr>
-    </p:bg>
-    <p:spTree>
-      <p:nvGrpSpPr>
-        <p:cNvPr id="1" name=""/>
-        <p:cNvGrpSpPr/>
-        <p:nvPr/>
-      </p:nvGrpSpPr>
-      <p:grpSpPr>
-        <a:xfrm>
-          <a:off x="0" y="0"/>
-          <a:ext cx="0" cy="0"/>
-          <a:chOff x="0" y="0"/>
-          <a:chExt cx="0" cy="0"/>
-        </a:xfrm>
-      </p:grpSpPr>
-      <p:cxnSp>
-        <p:nvCxnSpPr>
           <p:cNvPr id="8" name="직선 연결선 7"/>
           <p:cNvCxnSpPr/>
           <p:nvPr/>
@@ -4195,6 +3667,1155 @@
     <p:extLst>
       <p:ext uri="{BB962C8B-B14F-4D97-AF65-F5344CB8AC3E}">
         <p14:creationId xmlns:p14="http://schemas.microsoft.com/office/powerpoint/2010/main" val="2230190395"/>
+      </p:ext>
+    </p:extLst>
+  </p:cSld>
+  <p:clrMapOvr>
+    <a:masterClrMapping/>
+  </p:clrMapOvr>
+  <p:timing>
+    <p:tnLst>
+      <p:par>
+        <p:cTn id="1" dur="indefinite" restart="never" nodeType="tmRoot"/>
+      </p:par>
+    </p:tnLst>
+  </p:timing>
+</p:sld>
+</file>
+
+<file path=ppt/slides/slide2.xml><?xml version="1.0" encoding="utf-8"?>
+<p:sld xmlns:a="http://schemas.openxmlformats.org/drawingml/2006/main" xmlns:r="http://schemas.openxmlformats.org/officeDocument/2006/relationships" xmlns:p="http://schemas.openxmlformats.org/presentationml/2006/main">
+  <p:cSld>
+    <p:bg>
+      <p:bgPr>
+        <a:solidFill>
+          <a:srgbClr val="EAEEFA"/>
+        </a:solidFill>
+        <a:effectLst/>
+      </p:bgPr>
+    </p:bg>
+    <p:spTree>
+      <p:nvGrpSpPr>
+        <p:cNvPr id="1" name=""/>
+        <p:cNvGrpSpPr/>
+        <p:nvPr/>
+      </p:nvGrpSpPr>
+      <p:grpSpPr>
+        <a:xfrm>
+          <a:off x="0" y="0"/>
+          <a:ext cx="0" cy="0"/>
+          <a:chOff x="0" y="0"/>
+          <a:chExt cx="0" cy="0"/>
+        </a:xfrm>
+      </p:grpSpPr>
+      <p:cxnSp>
+        <p:nvCxnSpPr>
+          <p:cNvPr id="23" name="직선 연결선 22"/>
+          <p:cNvCxnSpPr/>
+          <p:nvPr/>
+        </p:nvCxnSpPr>
+        <p:spPr>
+          <a:xfrm>
+            <a:off x="589055" y="427040"/>
+            <a:ext cx="10800000" cy="0"/>
+          </a:xfrm>
+          <a:prstGeom prst="line">
+            <a:avLst/>
+          </a:prstGeom>
+          <a:ln>
+            <a:solidFill>
+              <a:srgbClr val="D02646"/>
+            </a:solidFill>
+          </a:ln>
+        </p:spPr>
+        <p:style>
+          <a:lnRef idx="1">
+            <a:schemeClr val="accent1"/>
+          </a:lnRef>
+          <a:fillRef idx="0">
+            <a:schemeClr val="accent1"/>
+          </a:fillRef>
+          <a:effectRef idx="0">
+            <a:schemeClr val="accent1"/>
+          </a:effectRef>
+          <a:fontRef idx="minor">
+            <a:schemeClr val="tx1"/>
+          </a:fontRef>
+        </p:style>
+      </p:cxnSp>
+      <p:cxnSp>
+        <p:nvCxnSpPr>
+          <p:cNvPr id="25" name="직선 연결선 24"/>
+          <p:cNvCxnSpPr/>
+          <p:nvPr/>
+        </p:nvCxnSpPr>
+        <p:spPr>
+          <a:xfrm>
+            <a:off x="589055" y="6637347"/>
+            <a:ext cx="10800000" cy="0"/>
+          </a:xfrm>
+          <a:prstGeom prst="line">
+            <a:avLst/>
+          </a:prstGeom>
+          <a:ln>
+            <a:solidFill>
+              <a:srgbClr val="D02646"/>
+            </a:solidFill>
+          </a:ln>
+        </p:spPr>
+        <p:style>
+          <a:lnRef idx="1">
+            <a:schemeClr val="accent1"/>
+          </a:lnRef>
+          <a:fillRef idx="0">
+            <a:schemeClr val="accent1"/>
+          </a:fillRef>
+          <a:effectRef idx="0">
+            <a:schemeClr val="accent1"/>
+          </a:effectRef>
+          <a:fontRef idx="minor">
+            <a:schemeClr val="tx1"/>
+          </a:fontRef>
+        </p:style>
+      </p:cxnSp>
+      <p:sp>
+        <p:nvSpPr>
+          <p:cNvPr id="33" name="직사각형 32">
+            <a:extLst>
+              <a:ext uri="{FF2B5EF4-FFF2-40B4-BE49-F238E27FC236}">
+                <a16:creationId xmlns:a16="http://schemas.microsoft.com/office/drawing/2014/main" id="{3FA00699-5178-465A-9F3F-130CF1431F70}"/>
+              </a:ext>
+            </a:extLst>
+          </p:cNvPr>
+          <p:cNvSpPr/>
+          <p:nvPr/>
+        </p:nvSpPr>
+        <p:spPr>
+          <a:xfrm>
+            <a:off x="589055" y="547161"/>
+            <a:ext cx="3924756" cy="646331"/>
+          </a:xfrm>
+          <a:prstGeom prst="rect">
+            <a:avLst/>
+          </a:prstGeom>
+        </p:spPr>
+        <p:txBody>
+          <a:bodyPr wrap="square" anchor="ctr">
+            <a:spAutoFit/>
+          </a:bodyPr>
+          <a:lstStyle/>
+          <a:p>
+            <a:pPr>
+              <a:lnSpc>
+                <a:spcPct val="150000"/>
+              </a:lnSpc>
+            </a:pPr>
+            <a:r>
+              <a:rPr lang="en-US" altLang="ko-KR" sz="2400" b="1" dirty="0" smtClean="0">
+                <a:solidFill>
+                  <a:srgbClr val="44546A">
+                    <a:lumMod val="75000"/>
+                  </a:srgbClr>
+                </a:solidFill>
+              </a:rPr>
+              <a:t>Performance </a:t>
+            </a:r>
+            <a:r>
+              <a:rPr lang="ko-KR" altLang="en-US" sz="2400" b="1" dirty="0" smtClean="0">
+                <a:solidFill>
+                  <a:srgbClr val="44546A">
+                    <a:lumMod val="75000"/>
+                  </a:srgbClr>
+                </a:solidFill>
+              </a:rPr>
+              <a:t>체크 리스트</a:t>
+            </a:r>
+            <a:endParaRPr lang="en-US" altLang="ko-KR" sz="2400" b="1" dirty="0">
+              <a:solidFill>
+                <a:srgbClr val="44546A">
+                  <a:lumMod val="75000"/>
+                </a:srgbClr>
+              </a:solidFill>
+            </a:endParaRPr>
+          </a:p>
+        </p:txBody>
+      </p:sp>
+      <p:sp>
+        <p:nvSpPr>
+          <p:cNvPr id="14" name="직사각형 13">
+            <a:extLst>
+              <a:ext uri="{FF2B5EF4-FFF2-40B4-BE49-F238E27FC236}">
+                <a16:creationId xmlns:a16="http://schemas.microsoft.com/office/drawing/2014/main" id="{3FA00699-5178-465A-9F3F-130CF1431F70}"/>
+              </a:ext>
+            </a:extLst>
+          </p:cNvPr>
+          <p:cNvSpPr/>
+          <p:nvPr/>
+        </p:nvSpPr>
+        <p:spPr>
+          <a:xfrm>
+            <a:off x="589055" y="52290"/>
+            <a:ext cx="2889249" cy="373885"/>
+          </a:xfrm>
+          <a:prstGeom prst="rect">
+            <a:avLst/>
+          </a:prstGeom>
+        </p:spPr>
+        <p:txBody>
+          <a:bodyPr wrap="square" anchor="ctr">
+            <a:spAutoFit/>
+          </a:bodyPr>
+          <a:lstStyle/>
+          <a:p>
+            <a:pPr>
+              <a:lnSpc>
+                <a:spcPct val="150000"/>
+              </a:lnSpc>
+            </a:pPr>
+            <a:r>
+              <a:rPr lang="en-US" altLang="ko-KR" sz="1400" b="1" dirty="0"/>
+              <a:t>1. </a:t>
+            </a:r>
+            <a:r>
+              <a:rPr lang="ko-KR" altLang="en-US" sz="1400" b="1" dirty="0"/>
+              <a:t>모멘트 체크 시트</a:t>
+            </a:r>
+            <a:endParaRPr lang="en-US" altLang="ko-KR" sz="1400" b="1" dirty="0"/>
+          </a:p>
+        </p:txBody>
+      </p:sp>
+      <p:graphicFrame>
+        <p:nvGraphicFramePr>
+          <p:cNvPr id="2" name="표 1"/>
+          <p:cNvGraphicFramePr>
+            <a:graphicFrameLocks noGrp="1"/>
+          </p:cNvGraphicFramePr>
+          <p:nvPr>
+            <p:extLst>
+              <p:ext uri="{D42A27DB-BD31-4B8C-83A1-F6EECF244321}">
+                <p14:modId xmlns:p14="http://schemas.microsoft.com/office/powerpoint/2010/main" val="3016731419"/>
+              </p:ext>
+            </p:extLst>
+          </p:nvPr>
+        </p:nvGraphicFramePr>
+        <p:xfrm>
+          <a:off x="589057" y="1306289"/>
+          <a:ext cx="8029440" cy="5042264"/>
+        </p:xfrm>
+        <a:graphic>
+          <a:graphicData uri="http://schemas.openxmlformats.org/drawingml/2006/table">
+            <a:tbl>
+              <a:tblPr firstRow="1" bandRow="1">
+                <a:tableStyleId>{5940675A-B579-460E-94D1-54222C63F5DA}</a:tableStyleId>
+              </a:tblPr>
+              <a:tblGrid>
+                <a:gridCol w="2676480">
+                  <a:extLst>
+                    <a:ext uri="{9D8B030D-6E8A-4147-A177-3AD203B41FA5}">
+                      <a16:colId xmlns:a16="http://schemas.microsoft.com/office/drawing/2014/main" val="20000"/>
+                    </a:ext>
+                  </a:extLst>
+                </a:gridCol>
+                <a:gridCol w="2676480">
+                  <a:extLst>
+                    <a:ext uri="{9D8B030D-6E8A-4147-A177-3AD203B41FA5}">
+                      <a16:colId xmlns:a16="http://schemas.microsoft.com/office/drawing/2014/main" val="20001"/>
+                    </a:ext>
+                  </a:extLst>
+                </a:gridCol>
+                <a:gridCol w="2676480">
+                  <a:extLst>
+                    <a:ext uri="{9D8B030D-6E8A-4147-A177-3AD203B41FA5}">
+                      <a16:colId xmlns:a16="http://schemas.microsoft.com/office/drawing/2014/main" val="20002"/>
+                    </a:ext>
+                  </a:extLst>
+                </a:gridCol>
+              </a:tblGrid>
+              <a:tr h="630283">
+                <a:tc rowSpan="2">
+                  <a:txBody>
+                    <a:bodyPr/>
+                    <a:lstStyle/>
+                    <a:p>
+                      <a:pPr algn="ctr" latinLnBrk="1"/>
+                      <a:r>
+                        <a:rPr lang="ko-KR" altLang="en-US" sz="2400" b="1" dirty="0" smtClean="0"/>
+                        <a:t>경험</a:t>
+                      </a:r>
+                      <a:endParaRPr lang="en-US" altLang="ko-KR" sz="2000" b="1" dirty="0" smtClean="0"/>
+                    </a:p>
+                    <a:p>
+                      <a:pPr algn="ctr" latinLnBrk="1"/>
+                      <a:r>
+                        <a:rPr lang="ko-KR" altLang="en-US" sz="1600" dirty="0" smtClean="0"/>
+                        <a:t>게임 규칙을 숙지하고 </a:t>
+                      </a:r>
+                      <a:r>
+                        <a:rPr lang="en-US" altLang="ko-KR" sz="1600" dirty="0" smtClean="0"/>
+                        <a:t/>
+                      </a:r>
+                      <a:br>
+                        <a:rPr lang="en-US" altLang="ko-KR" sz="1600" dirty="0" smtClean="0"/>
+                      </a:br>
+                      <a:r>
+                        <a:rPr lang="ko-KR" altLang="en-US" sz="1600" dirty="0" smtClean="0"/>
+                        <a:t>응용하는가</a:t>
+                      </a:r>
+                      <a:r>
+                        <a:rPr lang="en-US" altLang="ko-KR" sz="1600" dirty="0" smtClean="0"/>
+                        <a:t>?</a:t>
+                      </a:r>
+                      <a:endParaRPr lang="ko-KR" altLang="en-US" sz="1600" dirty="0"/>
+                    </a:p>
+                  </a:txBody>
+                  <a:tcPr anchor="ctr"/>
+                </a:tc>
+                <a:tc>
+                  <a:txBody>
+                    <a:bodyPr/>
+                    <a:lstStyle/>
+                    <a:p>
+                      <a:pPr algn="ctr" latinLnBrk="1"/>
+                      <a:r>
+                        <a:rPr lang="ko-KR" altLang="en-US" sz="1400" dirty="0" smtClean="0"/>
+                        <a:t>활용</a:t>
+                      </a:r>
+                      <a:endParaRPr lang="ko-KR" altLang="en-US" sz="1400" dirty="0"/>
+                    </a:p>
+                  </a:txBody>
+                  <a:tcPr anchor="ctr"/>
+                </a:tc>
+                <a:tc>
+                  <a:txBody>
+                    <a:bodyPr/>
+                    <a:lstStyle/>
+                    <a:p>
+                      <a:pPr algn="ctr" latinLnBrk="1"/>
+                      <a:r>
+                        <a:rPr lang="ko-KR" altLang="en-US" sz="1400" dirty="0" smtClean="0"/>
+                        <a:t>이론</a:t>
+                      </a:r>
+                      <a:endParaRPr lang="ko-KR" altLang="en-US" sz="1400" dirty="0"/>
+                    </a:p>
+                  </a:txBody>
+                  <a:tcPr anchor="ctr"/>
+                </a:tc>
+                <a:extLst>
+                  <a:ext uri="{0D108BD9-81ED-4DB2-BD59-A6C34878D82A}">
+                    <a16:rowId xmlns:a16="http://schemas.microsoft.com/office/drawing/2014/main" val="10000"/>
+                  </a:ext>
+                </a:extLst>
+              </a:tr>
+              <a:tr h="630283">
+                <a:tc vMerge="1">
+                  <a:txBody>
+                    <a:bodyPr/>
+                    <a:lstStyle/>
+                    <a:p>
+                      <a:pPr latinLnBrk="1"/>
+                      <a:endParaRPr lang="ko-KR" altLang="en-US" dirty="0"/>
+                    </a:p>
+                  </a:txBody>
+                  <a:tcPr/>
+                </a:tc>
+                <a:tc gridSpan="2">
+                  <a:txBody>
+                    <a:bodyPr/>
+                    <a:lstStyle/>
+                    <a:p>
+                      <a:pPr algn="ctr" latinLnBrk="1"/>
+                      <a:r>
+                        <a:rPr lang="en-US" altLang="ko-KR" sz="1400" dirty="0" smtClean="0"/>
+                        <a:t>5            4            3            2            1</a:t>
+                      </a:r>
+                      <a:endParaRPr lang="ko-KR" altLang="en-US" sz="1400" dirty="0"/>
+                    </a:p>
+                  </a:txBody>
+                  <a:tcPr anchor="ctr"/>
+                </a:tc>
+                <a:tc hMerge="1">
+                  <a:txBody>
+                    <a:bodyPr/>
+                    <a:lstStyle/>
+                    <a:p>
+                      <a:pPr algn="ctr" latinLnBrk="1"/>
+                      <a:endParaRPr lang="ko-KR" altLang="en-US" sz="1400" dirty="0"/>
+                    </a:p>
+                  </a:txBody>
+                  <a:tcPr anchor="ctr"/>
+                </a:tc>
+                <a:extLst>
+                  <a:ext uri="{0D108BD9-81ED-4DB2-BD59-A6C34878D82A}">
+                    <a16:rowId xmlns:a16="http://schemas.microsoft.com/office/drawing/2014/main" val="10001"/>
+                  </a:ext>
+                </a:extLst>
+              </a:tr>
+              <a:tr h="630283">
+                <a:tc rowSpan="2">
+                  <a:txBody>
+                    <a:bodyPr/>
+                    <a:lstStyle/>
+                    <a:p>
+                      <a:pPr algn="ctr" latinLnBrk="1"/>
+                      <a:r>
+                        <a:rPr lang="ko-KR" altLang="en-US" sz="2400" b="1" dirty="0" smtClean="0"/>
+                        <a:t>전략</a:t>
+                      </a:r>
+                      <a:endParaRPr lang="en-US" altLang="ko-KR" sz="2000" b="1" dirty="0" smtClean="0"/>
+                    </a:p>
+                    <a:p>
+                      <a:pPr algn="ctr" latinLnBrk="1"/>
+                      <a:r>
+                        <a:rPr lang="ko-KR" altLang="en-US" sz="1600" dirty="0" smtClean="0"/>
+                        <a:t>상황 판단과 예상이 </a:t>
+                      </a:r>
+                      <a:r>
+                        <a:rPr lang="en-US" altLang="ko-KR" sz="1600" dirty="0" smtClean="0"/>
+                        <a:t/>
+                      </a:r>
+                      <a:br>
+                        <a:rPr lang="en-US" altLang="ko-KR" sz="1600" dirty="0" smtClean="0"/>
+                      </a:br>
+                      <a:r>
+                        <a:rPr lang="ko-KR" altLang="en-US" sz="1600" dirty="0" smtClean="0"/>
+                        <a:t>들어맞는가</a:t>
+                      </a:r>
+                      <a:r>
+                        <a:rPr lang="en-US" altLang="ko-KR" sz="1600" dirty="0" smtClean="0"/>
+                        <a:t>?</a:t>
+                      </a:r>
+                      <a:endParaRPr lang="ko-KR" altLang="en-US" sz="1600" dirty="0"/>
+                    </a:p>
+                  </a:txBody>
+                  <a:tcPr anchor="ctr"/>
+                </a:tc>
+                <a:tc>
+                  <a:txBody>
+                    <a:bodyPr/>
+                    <a:lstStyle/>
+                    <a:p>
+                      <a:pPr algn="ctr" latinLnBrk="1"/>
+                      <a:r>
+                        <a:rPr lang="ko-KR" altLang="en-US" sz="1400" dirty="0" smtClean="0"/>
+                        <a:t>적중</a:t>
+                      </a:r>
+                      <a:endParaRPr lang="ko-KR" altLang="en-US" sz="1400" dirty="0"/>
+                    </a:p>
+                  </a:txBody>
+                  <a:tcPr anchor="ctr"/>
+                </a:tc>
+                <a:tc>
+                  <a:txBody>
+                    <a:bodyPr/>
+                    <a:lstStyle/>
+                    <a:p>
+                      <a:pPr algn="ctr" latinLnBrk="1"/>
+                      <a:r>
+                        <a:rPr lang="ko-KR" altLang="en-US" sz="1400" dirty="0" smtClean="0"/>
+                        <a:t>빗나감</a:t>
+                      </a:r>
+                      <a:endParaRPr lang="ko-KR" altLang="en-US" sz="1400" dirty="0"/>
+                    </a:p>
+                  </a:txBody>
+                  <a:tcPr anchor="ctr"/>
+                </a:tc>
+                <a:extLst>
+                  <a:ext uri="{0D108BD9-81ED-4DB2-BD59-A6C34878D82A}">
+                    <a16:rowId xmlns:a16="http://schemas.microsoft.com/office/drawing/2014/main" val="10002"/>
+                  </a:ext>
+                </a:extLst>
+              </a:tr>
+              <a:tr h="630283">
+                <a:tc vMerge="1">
+                  <a:txBody>
+                    <a:bodyPr/>
+                    <a:lstStyle/>
+                    <a:p>
+                      <a:pPr latinLnBrk="1"/>
+                      <a:endParaRPr lang="ko-KR" altLang="en-US" dirty="0"/>
+                    </a:p>
+                  </a:txBody>
+                  <a:tcPr/>
+                </a:tc>
+                <a:tc gridSpan="2">
+                  <a:txBody>
+                    <a:bodyPr/>
+                    <a:lstStyle/>
+                    <a:p>
+                      <a:pPr algn="ctr" latinLnBrk="1"/>
+                      <a:r>
+                        <a:rPr lang="en-US" altLang="ko-KR" sz="1400" smtClean="0"/>
+                        <a:t>5            4            3            2            1</a:t>
+                      </a:r>
+                      <a:endParaRPr lang="ko-KR" altLang="en-US" sz="1400" dirty="0"/>
+                    </a:p>
+                  </a:txBody>
+                  <a:tcPr anchor="ctr"/>
+                </a:tc>
+                <a:tc hMerge="1">
+                  <a:txBody>
+                    <a:bodyPr/>
+                    <a:lstStyle/>
+                    <a:p>
+                      <a:pPr algn="ctr" latinLnBrk="1"/>
+                      <a:endParaRPr lang="ko-KR" altLang="en-US" sz="1400" dirty="0"/>
+                    </a:p>
+                  </a:txBody>
+                  <a:tcPr anchor="ctr"/>
+                </a:tc>
+                <a:extLst>
+                  <a:ext uri="{0D108BD9-81ED-4DB2-BD59-A6C34878D82A}">
+                    <a16:rowId xmlns:a16="http://schemas.microsoft.com/office/drawing/2014/main" val="10003"/>
+                  </a:ext>
+                </a:extLst>
+              </a:tr>
+              <a:tr h="630283">
+                <a:tc rowSpan="2">
+                  <a:txBody>
+                    <a:bodyPr/>
+                    <a:lstStyle/>
+                    <a:p>
+                      <a:pPr algn="ctr" latinLnBrk="1"/>
+                      <a:r>
+                        <a:rPr lang="ko-KR" altLang="en-US" sz="2400" b="1" dirty="0" smtClean="0"/>
+                        <a:t>기술</a:t>
+                      </a:r>
+                      <a:endParaRPr lang="en-US" altLang="ko-KR" sz="2000" b="1" dirty="0" smtClean="0"/>
+                    </a:p>
+                    <a:p>
+                      <a:pPr algn="ctr" latinLnBrk="1"/>
+                      <a:r>
+                        <a:rPr lang="ko-KR" altLang="en-US" sz="1600" dirty="0" smtClean="0"/>
+                        <a:t>시스템 및 오브젝트와</a:t>
+                      </a:r>
+                      <a:endParaRPr lang="en-US" altLang="ko-KR" sz="1600" dirty="0" smtClean="0"/>
+                    </a:p>
+                    <a:p>
+                      <a:pPr algn="ctr" latinLnBrk="1"/>
+                      <a:r>
+                        <a:rPr lang="ko-KR" altLang="en-US" sz="1600" dirty="0" smtClean="0"/>
+                        <a:t>상호작용하는가</a:t>
+                      </a:r>
+                      <a:r>
+                        <a:rPr lang="en-US" altLang="ko-KR" sz="1600" dirty="0" smtClean="0"/>
+                        <a:t>?</a:t>
+                      </a:r>
+                      <a:endParaRPr lang="ko-KR" altLang="en-US" sz="1600" dirty="0"/>
+                    </a:p>
+                  </a:txBody>
+                  <a:tcPr anchor="ctr"/>
+                </a:tc>
+                <a:tc>
+                  <a:txBody>
+                    <a:bodyPr/>
+                    <a:lstStyle/>
+                    <a:p>
+                      <a:pPr algn="ctr" latinLnBrk="1"/>
+                      <a:r>
+                        <a:rPr lang="ko-KR" altLang="en-US" sz="1400" dirty="0" smtClean="0"/>
+                        <a:t>능숙</a:t>
+                      </a:r>
+                      <a:endParaRPr lang="ko-KR" altLang="en-US" sz="1400" dirty="0"/>
+                    </a:p>
+                  </a:txBody>
+                  <a:tcPr anchor="ctr"/>
+                </a:tc>
+                <a:tc>
+                  <a:txBody>
+                    <a:bodyPr/>
+                    <a:lstStyle/>
+                    <a:p>
+                      <a:pPr algn="ctr" latinLnBrk="1"/>
+                      <a:r>
+                        <a:rPr lang="ko-KR" altLang="en-US" sz="1400" dirty="0" smtClean="0"/>
+                        <a:t>미숙</a:t>
+                      </a:r>
+                      <a:endParaRPr lang="en-US" altLang="ko-KR" sz="1400" dirty="0" smtClean="0"/>
+                    </a:p>
+                  </a:txBody>
+                  <a:tcPr anchor="ctr"/>
+                </a:tc>
+                <a:extLst>
+                  <a:ext uri="{0D108BD9-81ED-4DB2-BD59-A6C34878D82A}">
+                    <a16:rowId xmlns:a16="http://schemas.microsoft.com/office/drawing/2014/main" val="10004"/>
+                  </a:ext>
+                </a:extLst>
+              </a:tr>
+              <a:tr h="630283">
+                <a:tc vMerge="1">
+                  <a:txBody>
+                    <a:bodyPr/>
+                    <a:lstStyle/>
+                    <a:p>
+                      <a:pPr latinLnBrk="1"/>
+                      <a:endParaRPr lang="ko-KR" altLang="en-US" dirty="0"/>
+                    </a:p>
+                  </a:txBody>
+                  <a:tcPr/>
+                </a:tc>
+                <a:tc gridSpan="2">
+                  <a:txBody>
+                    <a:bodyPr/>
+                    <a:lstStyle/>
+                    <a:p>
+                      <a:pPr algn="ctr" latinLnBrk="1"/>
+                      <a:r>
+                        <a:rPr lang="en-US" altLang="ko-KR" sz="1400" dirty="0" smtClean="0"/>
+                        <a:t>5            4            3            2            1</a:t>
+                      </a:r>
+                      <a:endParaRPr lang="ko-KR" altLang="en-US" sz="1400" dirty="0"/>
+                    </a:p>
+                  </a:txBody>
+                  <a:tcPr anchor="ctr"/>
+                </a:tc>
+                <a:tc hMerge="1">
+                  <a:txBody>
+                    <a:bodyPr/>
+                    <a:lstStyle/>
+                    <a:p>
+                      <a:pPr algn="ctr" latinLnBrk="1"/>
+                      <a:endParaRPr lang="ko-KR" altLang="en-US" sz="1400" dirty="0"/>
+                    </a:p>
+                  </a:txBody>
+                  <a:tcPr anchor="ctr"/>
+                </a:tc>
+                <a:extLst>
+                  <a:ext uri="{0D108BD9-81ED-4DB2-BD59-A6C34878D82A}">
+                    <a16:rowId xmlns:a16="http://schemas.microsoft.com/office/drawing/2014/main" val="10005"/>
+                  </a:ext>
+                </a:extLst>
+              </a:tr>
+              <a:tr h="630283">
+                <a:tc rowSpan="2">
+                  <a:txBody>
+                    <a:bodyPr/>
+                    <a:lstStyle/>
+                    <a:p>
+                      <a:pPr algn="ctr" latinLnBrk="1"/>
+                      <a:r>
+                        <a:rPr lang="ko-KR" altLang="en-US" sz="2400" b="1" dirty="0" smtClean="0"/>
+                        <a:t>작용</a:t>
+                      </a:r>
+                      <a:endParaRPr lang="en-US" altLang="ko-KR" sz="2000" b="1" dirty="0" smtClean="0"/>
+                    </a:p>
+                    <a:p>
+                      <a:pPr algn="ctr" latinLnBrk="1"/>
+                      <a:r>
+                        <a:rPr lang="ko-KR" altLang="en-US" sz="1600" dirty="0" smtClean="0"/>
+                        <a:t>결과가 게임에 어떻게</a:t>
+                      </a:r>
+                      <a:endParaRPr lang="en-US" altLang="ko-KR" sz="1600" dirty="0" smtClean="0"/>
+                    </a:p>
+                    <a:p>
+                      <a:pPr algn="ctr" latinLnBrk="1"/>
+                      <a:r>
+                        <a:rPr lang="ko-KR" altLang="en-US" sz="1600" dirty="0" smtClean="0"/>
+                        <a:t>작용하는가</a:t>
+                      </a:r>
+                      <a:r>
+                        <a:rPr lang="en-US" altLang="ko-KR" sz="1600" dirty="0" smtClean="0"/>
+                        <a:t>?</a:t>
+                      </a:r>
+                      <a:endParaRPr lang="ko-KR" altLang="en-US" sz="1600" dirty="0"/>
+                    </a:p>
+                  </a:txBody>
+                  <a:tcPr anchor="ctr"/>
+                </a:tc>
+                <a:tc>
+                  <a:txBody>
+                    <a:bodyPr/>
+                    <a:lstStyle/>
+                    <a:p>
+                      <a:pPr algn="ctr" latinLnBrk="1"/>
+                      <a:r>
+                        <a:rPr lang="ko-KR" altLang="en-US" sz="1400" dirty="0" smtClean="0"/>
+                        <a:t>긍정적</a:t>
+                      </a:r>
+                      <a:endParaRPr lang="ko-KR" altLang="en-US" sz="1400" dirty="0"/>
+                    </a:p>
+                  </a:txBody>
+                  <a:tcPr anchor="ctr"/>
+                </a:tc>
+                <a:tc>
+                  <a:txBody>
+                    <a:bodyPr/>
+                    <a:lstStyle/>
+                    <a:p>
+                      <a:pPr algn="ctr" latinLnBrk="1"/>
+                      <a:r>
+                        <a:rPr lang="ko-KR" altLang="en-US" sz="1400" dirty="0" smtClean="0"/>
+                        <a:t>부정적</a:t>
+                      </a:r>
+                      <a:endParaRPr lang="ko-KR" altLang="en-US" sz="1400" dirty="0"/>
+                    </a:p>
+                  </a:txBody>
+                  <a:tcPr anchor="ctr"/>
+                </a:tc>
+                <a:extLst>
+                  <a:ext uri="{0D108BD9-81ED-4DB2-BD59-A6C34878D82A}">
+                    <a16:rowId xmlns:a16="http://schemas.microsoft.com/office/drawing/2014/main" val="10006"/>
+                  </a:ext>
+                </a:extLst>
+              </a:tr>
+              <a:tr h="630283">
+                <a:tc vMerge="1">
+                  <a:txBody>
+                    <a:bodyPr/>
+                    <a:lstStyle/>
+                    <a:p>
+                      <a:pPr latinLnBrk="1"/>
+                      <a:endParaRPr lang="ko-KR" altLang="en-US" dirty="0"/>
+                    </a:p>
+                  </a:txBody>
+                  <a:tcPr/>
+                </a:tc>
+                <a:tc gridSpan="2">
+                  <a:txBody>
+                    <a:bodyPr/>
+                    <a:lstStyle/>
+                    <a:p>
+                      <a:pPr algn="ctr" latinLnBrk="1"/>
+                      <a:r>
+                        <a:rPr lang="en-US" altLang="ko-KR" sz="1400" dirty="0" smtClean="0"/>
+                        <a:t>5            4            3            2            1</a:t>
+                      </a:r>
+                      <a:endParaRPr lang="ko-KR" altLang="en-US" sz="1400" dirty="0"/>
+                    </a:p>
+                  </a:txBody>
+                  <a:tcPr anchor="ctr"/>
+                </a:tc>
+                <a:tc hMerge="1">
+                  <a:txBody>
+                    <a:bodyPr/>
+                    <a:lstStyle/>
+                    <a:p>
+                      <a:pPr algn="ctr" latinLnBrk="1"/>
+                      <a:endParaRPr lang="ko-KR" altLang="en-US" sz="1400" dirty="0"/>
+                    </a:p>
+                  </a:txBody>
+                  <a:tcPr anchor="ctr"/>
+                </a:tc>
+                <a:extLst>
+                  <a:ext uri="{0D108BD9-81ED-4DB2-BD59-A6C34878D82A}">
+                    <a16:rowId xmlns:a16="http://schemas.microsoft.com/office/drawing/2014/main" val="10007"/>
+                  </a:ext>
+                </a:extLst>
+              </a:tr>
+            </a:tbl>
+          </a:graphicData>
+        </a:graphic>
+      </p:graphicFrame>
+      <p:sp>
+        <p:nvSpPr>
+          <p:cNvPr id="3" name="TextBox 2"/>
+          <p:cNvSpPr txBox="1"/>
+          <p:nvPr/>
+        </p:nvSpPr>
+        <p:spPr>
+          <a:xfrm>
+            <a:off x="9018106" y="1598449"/>
+            <a:ext cx="2756263" cy="1631216"/>
+          </a:xfrm>
+          <a:prstGeom prst="rect">
+            <a:avLst/>
+          </a:prstGeom>
+          <a:noFill/>
+        </p:spPr>
+        <p:txBody>
+          <a:bodyPr wrap="square" rtlCol="0">
+            <a:spAutoFit/>
+          </a:bodyPr>
+          <a:lstStyle/>
+          <a:p>
+            <a:pPr algn="ctr"/>
+            <a:r>
+              <a:rPr lang="ko-KR" altLang="en-US" sz="2000" dirty="0" smtClean="0"/>
+              <a:t>항목별 점수 총합 기준</a:t>
+            </a:r>
+            <a:endParaRPr lang="en-US" altLang="ko-KR" sz="2000" dirty="0" smtClean="0"/>
+          </a:p>
+          <a:p>
+            <a:pPr algn="ctr"/>
+            <a:endParaRPr lang="en-US" altLang="ko-KR" sz="2000" dirty="0" smtClean="0"/>
+          </a:p>
+          <a:p>
+            <a:pPr algn="ctr"/>
+            <a:r>
+              <a:rPr lang="en-US" altLang="ko-KR" sz="2000" b="1" dirty="0" smtClean="0"/>
+              <a:t>0 ~ 10  =  </a:t>
+            </a:r>
+            <a:r>
+              <a:rPr lang="en-US" altLang="ko-KR" sz="2000" b="1" dirty="0" smtClean="0">
+                <a:solidFill>
+                  <a:schemeClr val="bg1">
+                    <a:lumMod val="50000"/>
+                  </a:schemeClr>
+                </a:solidFill>
+              </a:rPr>
+              <a:t>N</a:t>
+            </a:r>
+            <a:r>
+              <a:rPr lang="en-US" altLang="ko-KR" sz="2000" b="1" dirty="0" smtClean="0">
+                <a:solidFill>
+                  <a:srgbClr val="0070C0"/>
+                </a:solidFill>
+              </a:rPr>
+              <a:t> </a:t>
+            </a:r>
+            <a:r>
+              <a:rPr lang="en-US" altLang="ko-KR" sz="2000" b="1" dirty="0" smtClean="0"/>
+              <a:t>/ </a:t>
+            </a:r>
+            <a:r>
+              <a:rPr lang="en-US" altLang="ko-KR" sz="2000" b="1" dirty="0" smtClean="0">
+                <a:solidFill>
+                  <a:srgbClr val="0070C0"/>
+                </a:solidFill>
+              </a:rPr>
+              <a:t>S</a:t>
+            </a:r>
+          </a:p>
+          <a:p>
+            <a:pPr algn="ctr"/>
+            <a:endParaRPr lang="en-US" altLang="ko-KR" sz="2000" dirty="0"/>
+          </a:p>
+          <a:p>
+            <a:pPr algn="ctr"/>
+            <a:r>
+              <a:rPr lang="en-US" altLang="ko-KR" sz="2000" b="1" dirty="0" smtClean="0"/>
+              <a:t>14 ~ 20  =  </a:t>
+            </a:r>
+            <a:r>
+              <a:rPr lang="en-US" altLang="ko-KR" sz="2000" b="1" dirty="0" smtClean="0">
+                <a:solidFill>
+                  <a:srgbClr val="00B050"/>
+                </a:solidFill>
+              </a:rPr>
+              <a:t>E</a:t>
+            </a:r>
+            <a:r>
+              <a:rPr lang="en-US" altLang="ko-KR" sz="2000" b="1" dirty="0" smtClean="0">
+                <a:solidFill>
+                  <a:srgbClr val="FF0000"/>
+                </a:solidFill>
+              </a:rPr>
+              <a:t> </a:t>
+            </a:r>
+            <a:r>
+              <a:rPr lang="en-US" altLang="ko-KR" sz="2000" b="1" dirty="0" smtClean="0"/>
+              <a:t>/ </a:t>
+            </a:r>
+            <a:r>
+              <a:rPr lang="en-US" altLang="ko-KR" sz="2000" b="1" dirty="0" smtClean="0">
+                <a:solidFill>
+                  <a:srgbClr val="FF0000"/>
+                </a:solidFill>
+              </a:rPr>
+              <a:t>C</a:t>
+            </a:r>
+            <a:endParaRPr lang="ko-KR" altLang="en-US" sz="2000" b="1" dirty="0">
+              <a:solidFill>
+                <a:srgbClr val="FF0000"/>
+              </a:solidFill>
+            </a:endParaRPr>
+          </a:p>
+        </p:txBody>
+      </p:sp>
+      <p:sp>
+        <p:nvSpPr>
+          <p:cNvPr id="30" name="모서리가 둥근 직사각형 29"/>
+          <p:cNvSpPr/>
+          <p:nvPr/>
+        </p:nvSpPr>
+        <p:spPr>
+          <a:xfrm>
+            <a:off x="9399873" y="3877884"/>
+            <a:ext cx="1002039" cy="918194"/>
+          </a:xfrm>
+          <a:prstGeom prst="roundRect">
+            <a:avLst/>
+          </a:prstGeom>
+        </p:spPr>
+        <p:style>
+          <a:lnRef idx="2">
+            <a:schemeClr val="accent1">
+              <a:shade val="50000"/>
+            </a:schemeClr>
+          </a:lnRef>
+          <a:fillRef idx="1">
+            <a:schemeClr val="accent1"/>
+          </a:fillRef>
+          <a:effectRef idx="0">
+            <a:schemeClr val="accent1"/>
+          </a:effectRef>
+          <a:fontRef idx="minor">
+            <a:schemeClr val="lt1"/>
+          </a:fontRef>
+        </p:style>
+        <p:txBody>
+          <a:bodyPr rtlCol="0" anchor="ctr"/>
+          <a:lstStyle/>
+          <a:p>
+            <a:pPr algn="ctr"/>
+            <a:r>
+              <a:rPr lang="en-US" altLang="ko-KR" sz="1100" b="1" dirty="0" smtClean="0"/>
+              <a:t>Novice</a:t>
+            </a:r>
+            <a:endParaRPr lang="ko-KR" altLang="en-US" sz="1100" b="1" dirty="0"/>
+          </a:p>
+        </p:txBody>
+      </p:sp>
+      <p:sp>
+        <p:nvSpPr>
+          <p:cNvPr id="31" name="모서리가 둥근 직사각형 30"/>
+          <p:cNvSpPr/>
+          <p:nvPr/>
+        </p:nvSpPr>
+        <p:spPr>
+          <a:xfrm>
+            <a:off x="10563313" y="3877884"/>
+            <a:ext cx="1002039" cy="918194"/>
+          </a:xfrm>
+          <a:prstGeom prst="roundRect">
+            <a:avLst/>
+          </a:prstGeom>
+        </p:spPr>
+        <p:style>
+          <a:lnRef idx="2">
+            <a:schemeClr val="accent1">
+              <a:shade val="50000"/>
+            </a:schemeClr>
+          </a:lnRef>
+          <a:fillRef idx="1">
+            <a:schemeClr val="accent1"/>
+          </a:fillRef>
+          <a:effectRef idx="0">
+            <a:schemeClr val="accent1"/>
+          </a:effectRef>
+          <a:fontRef idx="minor">
+            <a:schemeClr val="lt1"/>
+          </a:fontRef>
+        </p:style>
+        <p:txBody>
+          <a:bodyPr rtlCol="0" anchor="ctr"/>
+          <a:lstStyle/>
+          <a:p>
+            <a:pPr algn="ctr"/>
+            <a:r>
+              <a:rPr lang="en-US" altLang="ko-KR" sz="1200" b="1" dirty="0" smtClean="0"/>
+              <a:t>Slap</a:t>
+            </a:r>
+          </a:p>
+          <a:p>
+            <a:pPr algn="ctr"/>
+            <a:r>
+              <a:rPr lang="en-US" altLang="ko-KR" sz="1200" b="1" dirty="0" smtClean="0"/>
+              <a:t>Stick</a:t>
+            </a:r>
+            <a:endParaRPr lang="ko-KR" altLang="en-US" sz="1200" b="1" dirty="0"/>
+          </a:p>
+        </p:txBody>
+      </p:sp>
+      <p:sp>
+        <p:nvSpPr>
+          <p:cNvPr id="38" name="모서리가 둥근 직사각형 37"/>
+          <p:cNvSpPr/>
+          <p:nvPr/>
+        </p:nvSpPr>
+        <p:spPr>
+          <a:xfrm>
+            <a:off x="9399873" y="4947655"/>
+            <a:ext cx="1002039" cy="918194"/>
+          </a:xfrm>
+          <a:prstGeom prst="roundRect">
+            <a:avLst/>
+          </a:prstGeom>
+        </p:spPr>
+        <p:style>
+          <a:lnRef idx="2">
+            <a:schemeClr val="accent1">
+              <a:shade val="50000"/>
+            </a:schemeClr>
+          </a:lnRef>
+          <a:fillRef idx="1">
+            <a:schemeClr val="accent1"/>
+          </a:fillRef>
+          <a:effectRef idx="0">
+            <a:schemeClr val="accent1"/>
+          </a:effectRef>
+          <a:fontRef idx="minor">
+            <a:schemeClr val="lt1"/>
+          </a:fontRef>
+        </p:style>
+        <p:txBody>
+          <a:bodyPr rtlCol="0" anchor="ctr"/>
+          <a:lstStyle/>
+          <a:p>
+            <a:pPr algn="ctr"/>
+            <a:r>
+              <a:rPr lang="en-US" altLang="ko-KR" sz="1200" b="1" dirty="0" smtClean="0"/>
+              <a:t>Expert</a:t>
+            </a:r>
+            <a:endParaRPr lang="ko-KR" altLang="en-US" sz="1200" b="1" dirty="0"/>
+          </a:p>
+        </p:txBody>
+      </p:sp>
+      <p:sp>
+        <p:nvSpPr>
+          <p:cNvPr id="39" name="모서리가 둥근 직사각형 38"/>
+          <p:cNvSpPr/>
+          <p:nvPr/>
+        </p:nvSpPr>
+        <p:spPr>
+          <a:xfrm>
+            <a:off x="10563313" y="4947655"/>
+            <a:ext cx="1002039" cy="918194"/>
+          </a:xfrm>
+          <a:prstGeom prst="roundRect">
+            <a:avLst/>
+          </a:prstGeom>
+        </p:spPr>
+        <p:style>
+          <a:lnRef idx="2">
+            <a:schemeClr val="accent1">
+              <a:shade val="50000"/>
+            </a:schemeClr>
+          </a:lnRef>
+          <a:fillRef idx="1">
+            <a:schemeClr val="accent1"/>
+          </a:fillRef>
+          <a:effectRef idx="0">
+            <a:schemeClr val="accent1"/>
+          </a:effectRef>
+          <a:fontRef idx="minor">
+            <a:schemeClr val="lt1"/>
+          </a:fontRef>
+        </p:style>
+        <p:txBody>
+          <a:bodyPr rtlCol="0" anchor="ctr"/>
+          <a:lstStyle/>
+          <a:p>
+            <a:pPr algn="ctr"/>
+            <a:r>
+              <a:rPr lang="en-US" altLang="ko-KR" sz="1200" b="1" dirty="0" smtClean="0"/>
+              <a:t>Circus</a:t>
+            </a:r>
+            <a:endParaRPr lang="ko-KR" altLang="en-US" sz="1200" b="1" dirty="0"/>
+          </a:p>
+        </p:txBody>
+      </p:sp>
+      <p:sp>
+        <p:nvSpPr>
+          <p:cNvPr id="4" name="액자 3"/>
+          <p:cNvSpPr/>
+          <p:nvPr/>
+        </p:nvSpPr>
+        <p:spPr>
+          <a:xfrm>
+            <a:off x="9194394" y="3735978"/>
+            <a:ext cx="2579975" cy="1153128"/>
+          </a:xfrm>
+          <a:prstGeom prst="frame">
+            <a:avLst>
+              <a:gd name="adj1" fmla="val 1630"/>
+            </a:avLst>
+          </a:prstGeom>
+          <a:solidFill>
+            <a:srgbClr val="FF0000"/>
+          </a:solidFill>
+          <a:ln>
+            <a:solidFill>
+              <a:srgbClr val="FF0000"/>
+            </a:solidFill>
+          </a:ln>
+        </p:spPr>
+        <p:style>
+          <a:lnRef idx="2">
+            <a:schemeClr val="accent1">
+              <a:shade val="50000"/>
+            </a:schemeClr>
+          </a:lnRef>
+          <a:fillRef idx="1">
+            <a:schemeClr val="accent1"/>
+          </a:fillRef>
+          <a:effectRef idx="0">
+            <a:schemeClr val="accent1"/>
+          </a:effectRef>
+          <a:fontRef idx="minor">
+            <a:schemeClr val="lt1"/>
+          </a:fontRef>
+        </p:style>
+        <p:txBody>
+          <a:bodyPr rtlCol="0" anchor="ctr"/>
+          <a:lstStyle/>
+          <a:p>
+            <a:pPr algn="ctr"/>
+            <a:endParaRPr lang="ko-KR" altLang="en-US">
+              <a:solidFill>
+                <a:schemeClr val="tx1"/>
+              </a:solidFill>
+            </a:endParaRPr>
+          </a:p>
+        </p:txBody>
+      </p:sp>
+      <p:sp>
+        <p:nvSpPr>
+          <p:cNvPr id="44" name="액자 43"/>
+          <p:cNvSpPr/>
+          <p:nvPr/>
+        </p:nvSpPr>
+        <p:spPr>
+          <a:xfrm>
+            <a:off x="9194393" y="4854626"/>
+            <a:ext cx="2579975" cy="1167351"/>
+          </a:xfrm>
+          <a:prstGeom prst="frame">
+            <a:avLst>
+              <a:gd name="adj1" fmla="val 1630"/>
+            </a:avLst>
+          </a:prstGeom>
+          <a:solidFill>
+            <a:srgbClr val="FF0000"/>
+          </a:solidFill>
+          <a:ln>
+            <a:solidFill>
+              <a:srgbClr val="FF0000"/>
+            </a:solidFill>
+          </a:ln>
+        </p:spPr>
+        <p:style>
+          <a:lnRef idx="2">
+            <a:schemeClr val="accent1">
+              <a:shade val="50000"/>
+            </a:schemeClr>
+          </a:lnRef>
+          <a:fillRef idx="1">
+            <a:schemeClr val="accent1"/>
+          </a:fillRef>
+          <a:effectRef idx="0">
+            <a:schemeClr val="accent1"/>
+          </a:effectRef>
+          <a:fontRef idx="minor">
+            <a:schemeClr val="lt1"/>
+          </a:fontRef>
+        </p:style>
+        <p:txBody>
+          <a:bodyPr rtlCol="0" anchor="ctr"/>
+          <a:lstStyle/>
+          <a:p>
+            <a:pPr algn="ctr"/>
+            <a:endParaRPr lang="ko-KR" altLang="en-US">
+              <a:solidFill>
+                <a:schemeClr val="tx1"/>
+              </a:solidFill>
+            </a:endParaRPr>
+          </a:p>
+        </p:txBody>
+      </p:sp>
+    </p:spTree>
+    <p:extLst>
+      <p:ext uri="{BB962C8B-B14F-4D97-AF65-F5344CB8AC3E}">
+        <p14:creationId xmlns:p14="http://schemas.microsoft.com/office/powerpoint/2010/main" val="796845897"/>
       </p:ext>
     </p:extLst>
   </p:cSld>
@@ -4271,74 +4892,6 @@
           </a:fontRef>
         </p:style>
       </p:cxnSp>
-      <p:sp>
-        <p:nvSpPr>
-          <p:cNvPr id="24" name="직사각형 23"/>
-          <p:cNvSpPr/>
-          <p:nvPr/>
-        </p:nvSpPr>
-        <p:spPr>
-          <a:xfrm>
-            <a:off x="3646530" y="0"/>
-            <a:ext cx="4971967" cy="646331"/>
-          </a:xfrm>
-          <a:prstGeom prst="rect">
-            <a:avLst/>
-          </a:prstGeom>
-          <a:solidFill>
-            <a:srgbClr val="EAEEFA"/>
-          </a:solidFill>
-        </p:spPr>
-        <p:txBody>
-          <a:bodyPr wrap="square">
-            <a:spAutoFit/>
-          </a:bodyPr>
-          <a:lstStyle/>
-          <a:p>
-            <a:pPr algn="ctr" fontAlgn="base"/>
-            <a:r>
-              <a:rPr lang="ko-KR" altLang="en-US" b="1" dirty="0"/>
-              <a:t>방송을 통한 </a:t>
-            </a:r>
-            <a:r>
-              <a:rPr lang="ko-KR" altLang="en-US" b="1" dirty="0" err="1"/>
-              <a:t>루돌로지</a:t>
-            </a:r>
-            <a:r>
-              <a:rPr lang="ko-KR" altLang="en-US" b="1" dirty="0"/>
-              <a:t> 게임의 </a:t>
-            </a:r>
-            <a:r>
-              <a:rPr lang="ko-KR" altLang="en-US" b="1" dirty="0" err="1"/>
-              <a:t>스토리텔링</a:t>
-            </a:r>
-            <a:r>
-              <a:rPr lang="ko-KR" altLang="en-US" b="1" dirty="0"/>
-              <a:t> </a:t>
-            </a:r>
-            <a:r>
-              <a:rPr lang="en-US" altLang="ko-KR" b="1" dirty="0" smtClean="0"/>
-              <a:t/>
-            </a:r>
-            <a:br>
-              <a:rPr lang="en-US" altLang="ko-KR" b="1" dirty="0" smtClean="0"/>
-            </a:br>
-            <a:r>
-              <a:rPr lang="ko-KR" altLang="en-US" b="1" dirty="0" smtClean="0"/>
-              <a:t>획득과 </a:t>
-            </a:r>
-            <a:r>
-              <a:rPr lang="ko-KR" altLang="en-US" b="1" dirty="0"/>
-              <a:t>게임 기획에의 적용 </a:t>
-            </a:r>
-            <a:r>
-              <a:rPr lang="ko-KR" altLang="en-US" b="1" dirty="0" smtClean="0"/>
-              <a:t>연구</a:t>
-            </a:r>
-            <a:endParaRPr lang="ko-KR" altLang="en-US" b="1" dirty="0"/>
-          </a:p>
-        </p:txBody>
-      </p:sp>
       <p:cxnSp>
         <p:nvCxnSpPr>
           <p:cNvPr id="25" name="직선 연결선 24"/>
@@ -4388,8 +4941,8 @@
         </p:nvSpPr>
         <p:spPr>
           <a:xfrm>
-            <a:off x="589055" y="547161"/>
-            <a:ext cx="3924756" cy="646331"/>
+            <a:off x="589054" y="547161"/>
+            <a:ext cx="4100511" cy="646331"/>
           </a:xfrm>
           <a:prstGeom prst="rect">
             <a:avLst/>
@@ -4414,7 +4967,7 @@
                   </a:srgbClr>
                 </a:solidFill>
               </a:rPr>
-              <a:t>Performance </a:t>
+              <a:t>Entertainment </a:t>
             </a:r>
             <a:r>
               <a:rPr lang="ko-KR" altLang="en-US" sz="2400" b="1" dirty="0" smtClean="0">
@@ -4489,7 +5042,7 @@
           <p:nvPr>
             <p:extLst>
               <p:ext uri="{D42A27DB-BD31-4B8C-83A1-F6EECF244321}">
-                <p14:modId xmlns:p14="http://schemas.microsoft.com/office/powerpoint/2010/main" val="3016731419"/>
+                <p14:modId xmlns:p14="http://schemas.microsoft.com/office/powerpoint/2010/main" val="418649414"/>
               </p:ext>
             </p:extLst>
           </p:nvPr>
@@ -4536,7 +5089,7 @@
                       <a:pPr algn="ctr" latinLnBrk="1"/>
                       <a:r>
                         <a:rPr lang="ko-KR" altLang="en-US" sz="2400" b="1" dirty="0" smtClean="0"/>
-                        <a:t>경험</a:t>
+                        <a:t>희화화</a:t>
                       </a:r>
                       <a:endParaRPr lang="en-US" altLang="ko-KR" sz="2000" b="1" dirty="0" smtClean="0"/>
                     </a:p>
@@ -4544,18 +5097,7 @@
                       <a:pPr algn="ctr" latinLnBrk="1"/>
                       <a:r>
                         <a:rPr lang="ko-KR" altLang="en-US" sz="1600" dirty="0" smtClean="0"/>
-                        <a:t>게임 규칙을 숙지하고 </a:t>
-                      </a:r>
-                      <a:r>
-                        <a:rPr lang="en-US" altLang="ko-KR" sz="1600" dirty="0" smtClean="0"/>
-                        <a:t/>
-                      </a:r>
-                      <a:br>
-                        <a:rPr lang="en-US" altLang="ko-KR" sz="1600" dirty="0" smtClean="0"/>
-                      </a:br>
-                      <a:r>
-                        <a:rPr lang="ko-KR" altLang="en-US" sz="1600" dirty="0" smtClean="0"/>
-                        <a:t>응용하는가</a:t>
+                        <a:t>상황을 희화화하고 있는가</a:t>
                       </a:r>
                       <a:r>
                         <a:rPr lang="en-US" altLang="ko-KR" sz="1600" dirty="0" smtClean="0"/>
@@ -4573,23 +5115,23 @@
                     <a:p>
                       <a:pPr algn="ctr" latinLnBrk="1"/>
                       <a:r>
+                        <a:rPr lang="ko-KR" altLang="en-US" sz="1400" dirty="0" err="1" smtClean="0"/>
+                        <a:t>애드리브</a:t>
+                      </a:r>
+                      <a:endParaRPr lang="ko-KR" altLang="en-US" sz="1400" dirty="0"/>
+                    </a:p>
+                  </a:txBody>
+                  <a:tcPr anchor="ctr"/>
+                </a:tc>
+                <a:tc>
+                  <a:txBody>
+                    <a:bodyPr/>
+                    <a:lstStyle/>
+                    <a:p>
+                      <a:pPr algn="ctr" latinLnBrk="1"/>
+                      <a:r>
                         <a:rPr lang="ko-KR" altLang="en-US" sz="1400" dirty="0" smtClean="0"/>
-                        <a:t>활용</a:t>
-                      </a:r>
-                      <a:endParaRPr lang="ko-KR" altLang="en-US" sz="1400" dirty="0"/>
-                    </a:p>
-                  </a:txBody>
-                  <a:tcPr anchor="ctr"/>
-                </a:tc>
-                <a:tc>
-                  <a:txBody>
-                    <a:bodyPr/>
-                    <a:lstStyle/>
-                    <a:p>
-                      <a:pPr algn="ctr" latinLnBrk="1"/>
-                      <a:r>
-                        <a:rPr lang="ko-KR" altLang="en-US" sz="1400" dirty="0" smtClean="0"/>
-                        <a:t>이론</a:t>
+                        <a:t>진지</a:t>
                       </a:r>
                       <a:endParaRPr lang="ko-KR" altLang="en-US" sz="1400" dirty="0"/>
                     </a:p>
@@ -4655,7 +5197,7 @@
                       <a:pPr algn="ctr" latinLnBrk="1"/>
                       <a:r>
                         <a:rPr lang="ko-KR" altLang="en-US" sz="2400" b="1" dirty="0" smtClean="0"/>
-                        <a:t>전략</a:t>
+                        <a:t>감정이입</a:t>
                       </a:r>
                       <a:endParaRPr lang="en-US" altLang="ko-KR" sz="2000" b="1" dirty="0" smtClean="0"/>
                     </a:p>
@@ -4663,18 +5205,15 @@
                       <a:pPr algn="ctr" latinLnBrk="1"/>
                       <a:r>
                         <a:rPr lang="ko-KR" altLang="en-US" sz="1600" dirty="0" smtClean="0"/>
-                        <a:t>상황 판단과 예상이 </a:t>
-                      </a:r>
-                      <a:r>
-                        <a:rPr lang="en-US" altLang="ko-KR" sz="1600" dirty="0" smtClean="0"/>
-                        <a:t/>
-                      </a:r>
-                      <a:br>
-                        <a:rPr lang="en-US" altLang="ko-KR" sz="1600" dirty="0" smtClean="0"/>
-                      </a:br>
+                        <a:t>대상의 감정이 겉으로</a:t>
+                      </a:r>
+                      <a:endParaRPr lang="en-US" altLang="ko-KR" sz="1600" dirty="0" smtClean="0"/>
+                    </a:p>
+                    <a:p>
+                      <a:pPr algn="ctr" latinLnBrk="1"/>
                       <a:r>
                         <a:rPr lang="ko-KR" altLang="en-US" sz="1600" dirty="0" smtClean="0"/>
-                        <a:t>들어맞는가</a:t>
+                        <a:t>드러나고 있는가</a:t>
                       </a:r>
                       <a:r>
                         <a:rPr lang="en-US" altLang="ko-KR" sz="1600" dirty="0" smtClean="0"/>
@@ -4693,7 +5232,7 @@
                       <a:pPr algn="ctr" latinLnBrk="1"/>
                       <a:r>
                         <a:rPr lang="ko-KR" altLang="en-US" sz="1400" dirty="0" smtClean="0"/>
-                        <a:t>적중</a:t>
+                        <a:t>명확</a:t>
                       </a:r>
                       <a:endParaRPr lang="ko-KR" altLang="en-US" sz="1400" dirty="0"/>
                     </a:p>
@@ -4708,7 +5247,7 @@
                       <a:pPr algn="ctr" latinLnBrk="1"/>
                       <a:r>
                         <a:rPr lang="ko-KR" altLang="en-US" sz="1400" dirty="0" smtClean="0"/>
-                        <a:t>빗나감</a:t>
+                        <a:t>희미</a:t>
                       </a:r>
                       <a:endParaRPr lang="ko-KR" altLang="en-US" sz="1400" dirty="0"/>
                     </a:p>
@@ -4740,7 +5279,7 @@
                     <a:p>
                       <a:pPr algn="ctr" latinLnBrk="1"/>
                       <a:r>
-                        <a:rPr lang="en-US" altLang="ko-KR" sz="1400" smtClean="0"/>
+                        <a:rPr lang="en-US" altLang="ko-KR" sz="1400" dirty="0" smtClean="0"/>
                         <a:t>5            4            3            2            1</a:t>
                       </a:r>
                       <a:endParaRPr lang="ko-KR" altLang="en-US" sz="1400" dirty="0"/>
@@ -4774,7 +5313,7 @@
                       <a:pPr algn="ctr" latinLnBrk="1"/>
                       <a:r>
                         <a:rPr lang="ko-KR" altLang="en-US" sz="2400" b="1" dirty="0" smtClean="0"/>
-                        <a:t>기술</a:t>
+                        <a:t>희귀</a:t>
                       </a:r>
                       <a:endParaRPr lang="en-US" altLang="ko-KR" sz="2000" b="1" dirty="0" smtClean="0"/>
                     </a:p>
@@ -4782,7 +5321,7 @@
                       <a:pPr algn="ctr" latinLnBrk="1"/>
                       <a:r>
                         <a:rPr lang="ko-KR" altLang="en-US" sz="1600" dirty="0" smtClean="0"/>
-                        <a:t>시스템 및 오브젝트와</a:t>
+                        <a:t>해당 상황은 빈번하게</a:t>
                       </a:r>
                       <a:endParaRPr lang="en-US" altLang="ko-KR" sz="1600" dirty="0" smtClean="0"/>
                     </a:p>
@@ -4790,7 +5329,7 @@
                       <a:pPr algn="ctr" latinLnBrk="1"/>
                       <a:r>
                         <a:rPr lang="ko-KR" altLang="en-US" sz="1600" dirty="0" smtClean="0"/>
-                        <a:t>상호작용하는가</a:t>
+                        <a:t>등장하는가</a:t>
                       </a:r>
                       <a:r>
                         <a:rPr lang="en-US" altLang="ko-KR" sz="1600" dirty="0" smtClean="0"/>
@@ -4809,7 +5348,7 @@
                       <a:pPr algn="ctr" latinLnBrk="1"/>
                       <a:r>
                         <a:rPr lang="ko-KR" altLang="en-US" sz="1400" dirty="0" smtClean="0"/>
-                        <a:t>능숙</a:t>
+                        <a:t>드묾</a:t>
                       </a:r>
                       <a:endParaRPr lang="ko-KR" altLang="en-US" sz="1400" dirty="0"/>
                     </a:p>
@@ -4824,7 +5363,7 @@
                       <a:pPr algn="ctr" latinLnBrk="1"/>
                       <a:r>
                         <a:rPr lang="ko-KR" altLang="en-US" sz="1400" dirty="0" smtClean="0"/>
-                        <a:t>미숙</a:t>
+                        <a:t>흔함</a:t>
                       </a:r>
                       <a:endParaRPr lang="en-US" altLang="ko-KR" sz="1400" dirty="0" smtClean="0"/>
                     </a:p>
@@ -4890,7 +5429,7 @@
                       <a:pPr algn="ctr" latinLnBrk="1"/>
                       <a:r>
                         <a:rPr lang="ko-KR" altLang="en-US" sz="2400" b="1" dirty="0" smtClean="0"/>
-                        <a:t>작용</a:t>
+                        <a:t>원인</a:t>
                       </a:r>
                       <a:endParaRPr lang="en-US" altLang="ko-KR" sz="2000" b="1" dirty="0" smtClean="0"/>
                     </a:p>
@@ -4898,7 +5437,7 @@
                       <a:pPr algn="ctr" latinLnBrk="1"/>
                       <a:r>
                         <a:rPr lang="ko-KR" altLang="en-US" sz="1600" dirty="0" smtClean="0"/>
-                        <a:t>결과가 게임에 어떻게</a:t>
+                        <a:t>상황 발생의 원인은</a:t>
                       </a:r>
                       <a:endParaRPr lang="en-US" altLang="ko-KR" sz="1600" dirty="0" smtClean="0"/>
                     </a:p>
@@ -4906,7 +5445,7 @@
                       <a:pPr algn="ctr" latinLnBrk="1"/>
                       <a:r>
                         <a:rPr lang="ko-KR" altLang="en-US" sz="1600" dirty="0" smtClean="0"/>
-                        <a:t>작용하는가</a:t>
+                        <a:t>어디에 있는가</a:t>
                       </a:r>
                       <a:r>
                         <a:rPr lang="en-US" altLang="ko-KR" sz="1600" dirty="0" smtClean="0"/>
@@ -4925,7 +5464,7 @@
                       <a:pPr algn="ctr" latinLnBrk="1"/>
                       <a:r>
                         <a:rPr lang="ko-KR" altLang="en-US" sz="1400" dirty="0" smtClean="0"/>
-                        <a:t>긍정적</a:t>
+                        <a:t>외재적</a:t>
                       </a:r>
                       <a:endParaRPr lang="ko-KR" altLang="en-US" sz="1400" dirty="0"/>
                     </a:p>
@@ -4940,7 +5479,7 @@
                       <a:pPr algn="ctr" latinLnBrk="1"/>
                       <a:r>
                         <a:rPr lang="ko-KR" altLang="en-US" sz="1400" dirty="0" smtClean="0"/>
-                        <a:t>부정적</a:t>
+                        <a:t>내재적</a:t>
                       </a:r>
                       <a:endParaRPr lang="ko-KR" altLang="en-US" sz="1400" dirty="0"/>
                     </a:p>
@@ -5003,7 +5542,7 @@
       </p:graphicFrame>
       <p:sp>
         <p:nvSpPr>
-          <p:cNvPr id="3" name="TextBox 2"/>
+          <p:cNvPr id="9" name="TextBox 8"/>
           <p:cNvSpPr txBox="1"/>
           <p:nvPr/>
         </p:nvSpPr>
@@ -5025,23 +5564,23 @@
           <a:p>
             <a:pPr algn="ctr"/>
             <a:r>
-              <a:rPr lang="ko-KR" altLang="en-US" sz="2000" dirty="0" smtClean="0"/>
+              <a:rPr lang="ko-KR" altLang="en-US" sz="2000" dirty="0"/>
               <a:t>항목별 점수 총합 기준</a:t>
             </a:r>
-            <a:endParaRPr lang="en-US" altLang="ko-KR" sz="2000" dirty="0" smtClean="0"/>
+            <a:endParaRPr lang="en-US" altLang="ko-KR" sz="2000" dirty="0"/>
           </a:p>
           <a:p>
             <a:pPr algn="ctr"/>
-            <a:endParaRPr lang="en-US" altLang="ko-KR" sz="2000" dirty="0" smtClean="0"/>
+            <a:endParaRPr lang="en-US" altLang="ko-KR" sz="2000" dirty="0"/>
           </a:p>
           <a:p>
             <a:pPr algn="ctr"/>
             <a:r>
-              <a:rPr lang="en-US" altLang="ko-KR" sz="2000" b="1" dirty="0" smtClean="0"/>
+              <a:rPr lang="en-US" altLang="ko-KR" sz="2000" b="1" dirty="0"/>
               <a:t>0 ~ 10  =  </a:t>
             </a:r>
             <a:r>
-              <a:rPr lang="en-US" altLang="ko-KR" sz="2000" b="1" dirty="0" smtClean="0">
+              <a:rPr lang="en-US" altLang="ko-KR" sz="2000" b="1" dirty="0">
                 <a:solidFill>
                   <a:schemeClr val="bg1">
                     <a:lumMod val="50000"/>
@@ -5051,7 +5590,7 @@
               <a:t>N</a:t>
             </a:r>
             <a:r>
-              <a:rPr lang="en-US" altLang="ko-KR" sz="2000" b="1" dirty="0" smtClean="0">
+              <a:rPr lang="en-US" altLang="ko-KR" sz="2000" b="1" dirty="0">
                 <a:solidFill>
                   <a:srgbClr val="0070C0"/>
                 </a:solidFill>
@@ -5059,38 +5598,38 @@
               <a:t> </a:t>
             </a:r>
             <a:r>
-              <a:rPr lang="en-US" altLang="ko-KR" sz="2000" b="1" dirty="0" smtClean="0"/>
+              <a:rPr lang="en-US" altLang="ko-KR" sz="2000" b="1" dirty="0"/>
               <a:t>/ </a:t>
             </a:r>
             <a:r>
-              <a:rPr lang="en-US" altLang="ko-KR" sz="2000" b="1" dirty="0" smtClean="0">
+              <a:rPr lang="en-US" altLang="ko-KR" sz="2000" b="1" dirty="0">
+                <a:solidFill>
+                  <a:srgbClr val="00B050"/>
+                </a:solidFill>
+              </a:rPr>
+              <a:t>E</a:t>
+            </a:r>
+          </a:p>
+          <a:p>
+            <a:pPr algn="ctr"/>
+            <a:endParaRPr lang="en-US" altLang="ko-KR" sz="2000" dirty="0"/>
+          </a:p>
+          <a:p>
+            <a:pPr algn="ctr"/>
+            <a:r>
+              <a:rPr lang="en-US" altLang="ko-KR" sz="2000" b="1" dirty="0"/>
+              <a:t>14 ~ 20  =  </a:t>
+            </a:r>
+            <a:r>
+              <a:rPr lang="en-US" altLang="ko-KR" sz="2000" b="1" dirty="0">
                 <a:solidFill>
                   <a:srgbClr val="0070C0"/>
                 </a:solidFill>
               </a:rPr>
               <a:t>S</a:t>
             </a:r>
-          </a:p>
-          <a:p>
-            <a:pPr algn="ctr"/>
-            <a:endParaRPr lang="en-US" altLang="ko-KR" sz="2000" dirty="0"/>
-          </a:p>
-          <a:p>
-            <a:pPr algn="ctr"/>
-            <a:r>
-              <a:rPr lang="en-US" altLang="ko-KR" sz="2000" b="1" dirty="0" smtClean="0"/>
-              <a:t>14 ~ 20  =  </a:t>
-            </a:r>
-            <a:r>
-              <a:rPr lang="en-US" altLang="ko-KR" sz="2000" b="1" dirty="0" smtClean="0">
-                <a:solidFill>
-                  <a:srgbClr val="00B050"/>
-                </a:solidFill>
-              </a:rPr>
-              <a:t>E</a:t>
-            </a:r>
-            <a:r>
-              <a:rPr lang="en-US" altLang="ko-KR" sz="2000" b="1" dirty="0" smtClean="0">
+            <a:r>
+              <a:rPr lang="en-US" altLang="ko-KR" sz="2000" b="1" dirty="0">
                 <a:solidFill>
                   <a:srgbClr val="FF0000"/>
                 </a:solidFill>
@@ -5098,11 +5637,11 @@
               <a:t> </a:t>
             </a:r>
             <a:r>
-              <a:rPr lang="en-US" altLang="ko-KR" sz="2000" b="1" dirty="0" smtClean="0"/>
+              <a:rPr lang="en-US" altLang="ko-KR" sz="2000" b="1" dirty="0"/>
               <a:t>/ </a:t>
             </a:r>
             <a:r>
-              <a:rPr lang="en-US" altLang="ko-KR" sz="2000" b="1" dirty="0" smtClean="0">
+              <a:rPr lang="en-US" altLang="ko-KR" sz="2000" b="1" dirty="0">
                 <a:solidFill>
                   <a:srgbClr val="FF0000"/>
                 </a:solidFill>
@@ -5119,7 +5658,7 @@
       </p:sp>
       <p:sp>
         <p:nvSpPr>
-          <p:cNvPr id="30" name="모서리가 둥근 직사각형 29"/>
+          <p:cNvPr id="10" name="모서리가 둥근 직사각형 9"/>
           <p:cNvSpPr/>
           <p:nvPr/>
         </p:nvSpPr>
@@ -5163,7 +5702,7 @@
       </p:sp>
       <p:sp>
         <p:nvSpPr>
-          <p:cNvPr id="31" name="모서리가 둥근 직사각형 30"/>
+          <p:cNvPr id="11" name="모서리가 둥근 직사각형 10"/>
           <p:cNvSpPr/>
           <p:nvPr/>
         </p:nvSpPr>
@@ -5214,7 +5753,7 @@
       </p:sp>
       <p:sp>
         <p:nvSpPr>
-          <p:cNvPr id="38" name="모서리가 둥근 직사각형 37"/>
+          <p:cNvPr id="12" name="모서리가 둥근 직사각형 11"/>
           <p:cNvSpPr/>
           <p:nvPr/>
         </p:nvSpPr>
@@ -5258,7 +5797,7 @@
       </p:sp>
       <p:sp>
         <p:nvSpPr>
-          <p:cNvPr id="39" name="모서리가 둥근 직사각형 38"/>
+          <p:cNvPr id="13" name="모서리가 둥근 직사각형 12"/>
           <p:cNvSpPr/>
           <p:nvPr/>
         </p:nvSpPr>
@@ -5302,14 +5841,14 @@
       </p:sp>
       <p:sp>
         <p:nvSpPr>
-          <p:cNvPr id="4" name="액자 3"/>
+          <p:cNvPr id="15" name="액자 14"/>
           <p:cNvSpPr/>
           <p:nvPr/>
         </p:nvSpPr>
         <p:spPr>
           <a:xfrm>
-            <a:off x="9194394" y="3735978"/>
-            <a:ext cx="2579975" cy="1153128"/>
+            <a:off x="9222377" y="3762104"/>
+            <a:ext cx="1275067" cy="2213302"/>
           </a:xfrm>
           <a:prstGeom prst="frame">
             <a:avLst>
@@ -5356,14 +5895,14 @@
       </p:sp>
       <p:sp>
         <p:nvSpPr>
-          <p:cNvPr id="44" name="액자 43"/>
+          <p:cNvPr id="17" name="액자 16"/>
           <p:cNvSpPr/>
           <p:nvPr/>
         </p:nvSpPr>
         <p:spPr>
           <a:xfrm>
-            <a:off x="9194393" y="4854626"/>
-            <a:ext cx="2579975" cy="1167351"/>
+            <a:off x="10482585" y="3762104"/>
+            <a:ext cx="1195609" cy="2213302"/>
           </a:xfrm>
           <a:prstGeom prst="frame">
             <a:avLst>
@@ -5411,7 +5950,7 @@
     </p:spTree>
     <p:extLst>
       <p:ext uri="{BB962C8B-B14F-4D97-AF65-F5344CB8AC3E}">
-        <p14:creationId xmlns:p14="http://schemas.microsoft.com/office/powerpoint/2010/main" val="796845897"/>
+        <p14:creationId xmlns:p14="http://schemas.microsoft.com/office/powerpoint/2010/main" val="1839295026"/>
       </p:ext>
     </p:extLst>
   </p:cSld>
@@ -5488,1277 +6027,6 @@
           </a:fontRef>
         </p:style>
       </p:cxnSp>
-      <p:sp>
-        <p:nvSpPr>
-          <p:cNvPr id="24" name="직사각형 23"/>
-          <p:cNvSpPr/>
-          <p:nvPr/>
-        </p:nvSpPr>
-        <p:spPr>
-          <a:xfrm>
-            <a:off x="3646530" y="0"/>
-            <a:ext cx="4971967" cy="646331"/>
-          </a:xfrm>
-          <a:prstGeom prst="rect">
-            <a:avLst/>
-          </a:prstGeom>
-          <a:solidFill>
-            <a:srgbClr val="EAEEFA"/>
-          </a:solidFill>
-        </p:spPr>
-        <p:txBody>
-          <a:bodyPr wrap="square">
-            <a:spAutoFit/>
-          </a:bodyPr>
-          <a:lstStyle/>
-          <a:p>
-            <a:pPr algn="ctr" fontAlgn="base"/>
-            <a:r>
-              <a:rPr lang="ko-KR" altLang="en-US" b="1" dirty="0"/>
-              <a:t>방송을 통한 </a:t>
-            </a:r>
-            <a:r>
-              <a:rPr lang="ko-KR" altLang="en-US" b="1" dirty="0" err="1"/>
-              <a:t>루돌로지</a:t>
-            </a:r>
-            <a:r>
-              <a:rPr lang="ko-KR" altLang="en-US" b="1" dirty="0"/>
-              <a:t> 게임의 </a:t>
-            </a:r>
-            <a:r>
-              <a:rPr lang="ko-KR" altLang="en-US" b="1" dirty="0" err="1"/>
-              <a:t>스토리텔링</a:t>
-            </a:r>
-            <a:r>
-              <a:rPr lang="ko-KR" altLang="en-US" b="1" dirty="0"/>
-              <a:t> </a:t>
-            </a:r>
-            <a:r>
-              <a:rPr lang="en-US" altLang="ko-KR" b="1" dirty="0" smtClean="0"/>
-              <a:t/>
-            </a:r>
-            <a:br>
-              <a:rPr lang="en-US" altLang="ko-KR" b="1" dirty="0" smtClean="0"/>
-            </a:br>
-            <a:r>
-              <a:rPr lang="ko-KR" altLang="en-US" b="1" dirty="0" smtClean="0"/>
-              <a:t>획득과 </a:t>
-            </a:r>
-            <a:r>
-              <a:rPr lang="ko-KR" altLang="en-US" b="1" dirty="0"/>
-              <a:t>게임 기획에의 적용 </a:t>
-            </a:r>
-            <a:r>
-              <a:rPr lang="ko-KR" altLang="en-US" b="1" dirty="0" smtClean="0"/>
-              <a:t>연구</a:t>
-            </a:r>
-            <a:endParaRPr lang="ko-KR" altLang="en-US" b="1" dirty="0"/>
-          </a:p>
-        </p:txBody>
-      </p:sp>
-      <p:cxnSp>
-        <p:nvCxnSpPr>
-          <p:cNvPr id="25" name="직선 연결선 24"/>
-          <p:cNvCxnSpPr/>
-          <p:nvPr/>
-        </p:nvCxnSpPr>
-        <p:spPr>
-          <a:xfrm>
-            <a:off x="589055" y="6637347"/>
-            <a:ext cx="10800000" cy="0"/>
-          </a:xfrm>
-          <a:prstGeom prst="line">
-            <a:avLst/>
-          </a:prstGeom>
-          <a:ln>
-            <a:solidFill>
-              <a:srgbClr val="D02646"/>
-            </a:solidFill>
-          </a:ln>
-        </p:spPr>
-        <p:style>
-          <a:lnRef idx="1">
-            <a:schemeClr val="accent1"/>
-          </a:lnRef>
-          <a:fillRef idx="0">
-            <a:schemeClr val="accent1"/>
-          </a:fillRef>
-          <a:effectRef idx="0">
-            <a:schemeClr val="accent1"/>
-          </a:effectRef>
-          <a:fontRef idx="minor">
-            <a:schemeClr val="tx1"/>
-          </a:fontRef>
-        </p:style>
-      </p:cxnSp>
-      <p:sp>
-        <p:nvSpPr>
-          <p:cNvPr id="33" name="직사각형 32">
-            <a:extLst>
-              <a:ext uri="{FF2B5EF4-FFF2-40B4-BE49-F238E27FC236}">
-                <a16:creationId xmlns:a16="http://schemas.microsoft.com/office/drawing/2014/main" id="{3FA00699-5178-465A-9F3F-130CF1431F70}"/>
-              </a:ext>
-            </a:extLst>
-          </p:cNvPr>
-          <p:cNvSpPr/>
-          <p:nvPr/>
-        </p:nvSpPr>
-        <p:spPr>
-          <a:xfrm>
-            <a:off x="589054" y="547161"/>
-            <a:ext cx="4100511" cy="646331"/>
-          </a:xfrm>
-          <a:prstGeom prst="rect">
-            <a:avLst/>
-          </a:prstGeom>
-        </p:spPr>
-        <p:txBody>
-          <a:bodyPr wrap="square" anchor="ctr">
-            <a:spAutoFit/>
-          </a:bodyPr>
-          <a:lstStyle/>
-          <a:p>
-            <a:pPr>
-              <a:lnSpc>
-                <a:spcPct val="150000"/>
-              </a:lnSpc>
-            </a:pPr>
-            <a:r>
-              <a:rPr lang="en-US" altLang="ko-KR" sz="2400" b="1" dirty="0" smtClean="0">
-                <a:solidFill>
-                  <a:srgbClr val="44546A">
-                    <a:lumMod val="75000"/>
-                  </a:srgbClr>
-                </a:solidFill>
-              </a:rPr>
-              <a:t>Entertainment </a:t>
-            </a:r>
-            <a:r>
-              <a:rPr lang="ko-KR" altLang="en-US" sz="2400" b="1" dirty="0" smtClean="0">
-                <a:solidFill>
-                  <a:srgbClr val="44546A">
-                    <a:lumMod val="75000"/>
-                  </a:srgbClr>
-                </a:solidFill>
-              </a:rPr>
-              <a:t>체크 리스트</a:t>
-            </a:r>
-            <a:endParaRPr lang="en-US" altLang="ko-KR" sz="2400" b="1" dirty="0">
-              <a:solidFill>
-                <a:srgbClr val="44546A">
-                  <a:lumMod val="75000"/>
-                </a:srgbClr>
-              </a:solidFill>
-            </a:endParaRPr>
-          </a:p>
-        </p:txBody>
-      </p:sp>
-      <p:sp>
-        <p:nvSpPr>
-          <p:cNvPr id="14" name="직사각형 13">
-            <a:extLst>
-              <a:ext uri="{FF2B5EF4-FFF2-40B4-BE49-F238E27FC236}">
-                <a16:creationId xmlns:a16="http://schemas.microsoft.com/office/drawing/2014/main" id="{3FA00699-5178-465A-9F3F-130CF1431F70}"/>
-              </a:ext>
-            </a:extLst>
-          </p:cNvPr>
-          <p:cNvSpPr/>
-          <p:nvPr/>
-        </p:nvSpPr>
-        <p:spPr>
-          <a:xfrm>
-            <a:off x="589055" y="52290"/>
-            <a:ext cx="2889249" cy="373885"/>
-          </a:xfrm>
-          <a:prstGeom prst="rect">
-            <a:avLst/>
-          </a:prstGeom>
-        </p:spPr>
-        <p:txBody>
-          <a:bodyPr wrap="square" anchor="ctr">
-            <a:spAutoFit/>
-          </a:bodyPr>
-          <a:lstStyle/>
-          <a:p>
-            <a:pPr>
-              <a:lnSpc>
-                <a:spcPct val="150000"/>
-              </a:lnSpc>
-            </a:pPr>
-            <a:r>
-              <a:rPr lang="en-US" altLang="ko-KR" sz="1400" b="1" dirty="0"/>
-              <a:t>1. </a:t>
-            </a:r>
-            <a:r>
-              <a:rPr lang="ko-KR" altLang="en-US" sz="1400" b="1" dirty="0"/>
-              <a:t>모멘트 체크 시트</a:t>
-            </a:r>
-            <a:endParaRPr lang="en-US" altLang="ko-KR" sz="1400" b="1" dirty="0"/>
-          </a:p>
-        </p:txBody>
-      </p:sp>
-      <p:graphicFrame>
-        <p:nvGraphicFramePr>
-          <p:cNvPr id="2" name="표 1"/>
-          <p:cNvGraphicFramePr>
-            <a:graphicFrameLocks noGrp="1"/>
-          </p:cNvGraphicFramePr>
-          <p:nvPr>
-            <p:extLst>
-              <p:ext uri="{D42A27DB-BD31-4B8C-83A1-F6EECF244321}">
-                <p14:modId xmlns:p14="http://schemas.microsoft.com/office/powerpoint/2010/main" val="418649414"/>
-              </p:ext>
-            </p:extLst>
-          </p:nvPr>
-        </p:nvGraphicFramePr>
-        <p:xfrm>
-          <a:off x="589057" y="1306289"/>
-          <a:ext cx="8029440" cy="5042264"/>
-        </p:xfrm>
-        <a:graphic>
-          <a:graphicData uri="http://schemas.openxmlformats.org/drawingml/2006/table">
-            <a:tbl>
-              <a:tblPr firstRow="1" bandRow="1">
-                <a:tableStyleId>{5940675A-B579-460E-94D1-54222C63F5DA}</a:tableStyleId>
-              </a:tblPr>
-              <a:tblGrid>
-                <a:gridCol w="2676480">
-                  <a:extLst>
-                    <a:ext uri="{9D8B030D-6E8A-4147-A177-3AD203B41FA5}">
-                      <a16:colId xmlns:a16="http://schemas.microsoft.com/office/drawing/2014/main" val="20000"/>
-                    </a:ext>
-                  </a:extLst>
-                </a:gridCol>
-                <a:gridCol w="2676480">
-                  <a:extLst>
-                    <a:ext uri="{9D8B030D-6E8A-4147-A177-3AD203B41FA5}">
-                      <a16:colId xmlns:a16="http://schemas.microsoft.com/office/drawing/2014/main" val="20001"/>
-                    </a:ext>
-                  </a:extLst>
-                </a:gridCol>
-                <a:gridCol w="2676480">
-                  <a:extLst>
-                    <a:ext uri="{9D8B030D-6E8A-4147-A177-3AD203B41FA5}">
-                      <a16:colId xmlns:a16="http://schemas.microsoft.com/office/drawing/2014/main" val="20002"/>
-                    </a:ext>
-                  </a:extLst>
-                </a:gridCol>
-              </a:tblGrid>
-              <a:tr h="630283">
-                <a:tc rowSpan="2">
-                  <a:txBody>
-                    <a:bodyPr/>
-                    <a:lstStyle/>
-                    <a:p>
-                      <a:pPr algn="ctr" latinLnBrk="1"/>
-                      <a:r>
-                        <a:rPr lang="ko-KR" altLang="en-US" sz="2400" b="1" dirty="0" smtClean="0"/>
-                        <a:t>희화화</a:t>
-                      </a:r>
-                      <a:endParaRPr lang="en-US" altLang="ko-KR" sz="2000" b="1" dirty="0" smtClean="0"/>
-                    </a:p>
-                    <a:p>
-                      <a:pPr algn="ctr" latinLnBrk="1"/>
-                      <a:r>
-                        <a:rPr lang="ko-KR" altLang="en-US" sz="1600" dirty="0" smtClean="0"/>
-                        <a:t>상황을 희화화하고 있는가</a:t>
-                      </a:r>
-                      <a:r>
-                        <a:rPr lang="en-US" altLang="ko-KR" sz="1600" dirty="0" smtClean="0"/>
-                        <a:t>?</a:t>
-                      </a:r>
-                      <a:endParaRPr lang="ko-KR" altLang="en-US" sz="1600" dirty="0"/>
-                    </a:p>
-                  </a:txBody>
-                  <a:tcPr anchor="ctr"/>
-                </a:tc>
-                <a:tc>
-                  <a:txBody>
-                    <a:bodyPr/>
-                    <a:lstStyle/>
-                    <a:p>
-                      <a:pPr algn="ctr" latinLnBrk="1"/>
-                      <a:r>
-                        <a:rPr lang="ko-KR" altLang="en-US" sz="1400" dirty="0" err="1" smtClean="0"/>
-                        <a:t>애드리브</a:t>
-                      </a:r>
-                      <a:endParaRPr lang="ko-KR" altLang="en-US" sz="1400" dirty="0"/>
-                    </a:p>
-                  </a:txBody>
-                  <a:tcPr anchor="ctr"/>
-                </a:tc>
-                <a:tc>
-                  <a:txBody>
-                    <a:bodyPr/>
-                    <a:lstStyle/>
-                    <a:p>
-                      <a:pPr algn="ctr" latinLnBrk="1"/>
-                      <a:r>
-                        <a:rPr lang="ko-KR" altLang="en-US" sz="1400" dirty="0" smtClean="0"/>
-                        <a:t>진지</a:t>
-                      </a:r>
-                      <a:endParaRPr lang="ko-KR" altLang="en-US" sz="1400" dirty="0"/>
-                    </a:p>
-                  </a:txBody>
-                  <a:tcPr anchor="ctr"/>
-                </a:tc>
-                <a:extLst>
-                  <a:ext uri="{0D108BD9-81ED-4DB2-BD59-A6C34878D82A}">
-                    <a16:rowId xmlns:a16="http://schemas.microsoft.com/office/drawing/2014/main" val="10000"/>
-                  </a:ext>
-                </a:extLst>
-              </a:tr>
-              <a:tr h="630283">
-                <a:tc vMerge="1">
-                  <a:txBody>
-                    <a:bodyPr/>
-                    <a:lstStyle/>
-                    <a:p>
-                      <a:pPr latinLnBrk="1"/>
-                      <a:endParaRPr lang="ko-KR" altLang="en-US" dirty="0"/>
-                    </a:p>
-                  </a:txBody>
-                  <a:tcPr/>
-                </a:tc>
-                <a:tc gridSpan="2">
-                  <a:txBody>
-                    <a:bodyPr/>
-                    <a:lstStyle/>
-                    <a:p>
-                      <a:pPr algn="ctr" latinLnBrk="1"/>
-                      <a:r>
-                        <a:rPr lang="en-US" altLang="ko-KR" sz="1400" dirty="0" smtClean="0"/>
-                        <a:t>5            4            3            2            1</a:t>
-                      </a:r>
-                      <a:endParaRPr lang="ko-KR" altLang="en-US" sz="1400" dirty="0"/>
-                    </a:p>
-                  </a:txBody>
-                  <a:tcPr anchor="ctr"/>
-                </a:tc>
-                <a:tc hMerge="1">
-                  <a:txBody>
-                    <a:bodyPr/>
-                    <a:lstStyle/>
-                    <a:p>
-                      <a:pPr algn="ctr" latinLnBrk="1"/>
-                      <a:endParaRPr lang="ko-KR" altLang="en-US" sz="1400" dirty="0"/>
-                    </a:p>
-                  </a:txBody>
-                  <a:tcPr anchor="ctr"/>
-                </a:tc>
-                <a:extLst>
-                  <a:ext uri="{0D108BD9-81ED-4DB2-BD59-A6C34878D82A}">
-                    <a16:rowId xmlns:a16="http://schemas.microsoft.com/office/drawing/2014/main" val="10001"/>
-                  </a:ext>
-                </a:extLst>
-              </a:tr>
-              <a:tr h="630283">
-                <a:tc rowSpan="2">
-                  <a:txBody>
-                    <a:bodyPr/>
-                    <a:lstStyle/>
-                    <a:p>
-                      <a:pPr algn="ctr" latinLnBrk="1"/>
-                      <a:r>
-                        <a:rPr lang="ko-KR" altLang="en-US" sz="2400" b="1" dirty="0" smtClean="0"/>
-                        <a:t>감정이입</a:t>
-                      </a:r>
-                      <a:endParaRPr lang="en-US" altLang="ko-KR" sz="2000" b="1" dirty="0" smtClean="0"/>
-                    </a:p>
-                    <a:p>
-                      <a:pPr algn="ctr" latinLnBrk="1"/>
-                      <a:r>
-                        <a:rPr lang="ko-KR" altLang="en-US" sz="1600" dirty="0" smtClean="0"/>
-                        <a:t>대상의 감정이 겉으로</a:t>
-                      </a:r>
-                      <a:endParaRPr lang="en-US" altLang="ko-KR" sz="1600" dirty="0" smtClean="0"/>
-                    </a:p>
-                    <a:p>
-                      <a:pPr algn="ctr" latinLnBrk="1"/>
-                      <a:r>
-                        <a:rPr lang="ko-KR" altLang="en-US" sz="1600" dirty="0" smtClean="0"/>
-                        <a:t>드러나고 있는가</a:t>
-                      </a:r>
-                      <a:r>
-                        <a:rPr lang="en-US" altLang="ko-KR" sz="1600" dirty="0" smtClean="0"/>
-                        <a:t>?</a:t>
-                      </a:r>
-                      <a:endParaRPr lang="ko-KR" altLang="en-US" sz="1600" dirty="0"/>
-                    </a:p>
-                  </a:txBody>
-                  <a:tcPr anchor="ctr"/>
-                </a:tc>
-                <a:tc>
-                  <a:txBody>
-                    <a:bodyPr/>
-                    <a:lstStyle/>
-                    <a:p>
-                      <a:pPr algn="ctr" latinLnBrk="1"/>
-                      <a:r>
-                        <a:rPr lang="ko-KR" altLang="en-US" sz="1400" dirty="0" smtClean="0"/>
-                        <a:t>명확</a:t>
-                      </a:r>
-                      <a:endParaRPr lang="ko-KR" altLang="en-US" sz="1400" dirty="0"/>
-                    </a:p>
-                  </a:txBody>
-                  <a:tcPr anchor="ctr"/>
-                </a:tc>
-                <a:tc>
-                  <a:txBody>
-                    <a:bodyPr/>
-                    <a:lstStyle/>
-                    <a:p>
-                      <a:pPr algn="ctr" latinLnBrk="1"/>
-                      <a:r>
-                        <a:rPr lang="ko-KR" altLang="en-US" sz="1400" dirty="0" smtClean="0"/>
-                        <a:t>희미</a:t>
-                      </a:r>
-                      <a:endParaRPr lang="ko-KR" altLang="en-US" sz="1400" dirty="0"/>
-                    </a:p>
-                  </a:txBody>
-                  <a:tcPr anchor="ctr"/>
-                </a:tc>
-                <a:extLst>
-                  <a:ext uri="{0D108BD9-81ED-4DB2-BD59-A6C34878D82A}">
-                    <a16:rowId xmlns:a16="http://schemas.microsoft.com/office/drawing/2014/main" val="10002"/>
-                  </a:ext>
-                </a:extLst>
-              </a:tr>
-              <a:tr h="630283">
-                <a:tc vMerge="1">
-                  <a:txBody>
-                    <a:bodyPr/>
-                    <a:lstStyle/>
-                    <a:p>
-                      <a:pPr latinLnBrk="1"/>
-                      <a:endParaRPr lang="ko-KR" altLang="en-US" dirty="0"/>
-                    </a:p>
-                  </a:txBody>
-                  <a:tcPr/>
-                </a:tc>
-                <a:tc gridSpan="2">
-                  <a:txBody>
-                    <a:bodyPr/>
-                    <a:lstStyle/>
-                    <a:p>
-                      <a:pPr algn="ctr" latinLnBrk="1"/>
-                      <a:r>
-                        <a:rPr lang="en-US" altLang="ko-KR" sz="1400" dirty="0" smtClean="0"/>
-                        <a:t>5            4            3            2            1</a:t>
-                      </a:r>
-                      <a:endParaRPr lang="ko-KR" altLang="en-US" sz="1400" dirty="0"/>
-                    </a:p>
-                  </a:txBody>
-                  <a:tcPr anchor="ctr"/>
-                </a:tc>
-                <a:tc hMerge="1">
-                  <a:txBody>
-                    <a:bodyPr/>
-                    <a:lstStyle/>
-                    <a:p>
-                      <a:pPr algn="ctr" latinLnBrk="1"/>
-                      <a:endParaRPr lang="ko-KR" altLang="en-US" sz="1400" dirty="0"/>
-                    </a:p>
-                  </a:txBody>
-                  <a:tcPr anchor="ctr"/>
-                </a:tc>
-                <a:extLst>
-                  <a:ext uri="{0D108BD9-81ED-4DB2-BD59-A6C34878D82A}">
-                    <a16:rowId xmlns:a16="http://schemas.microsoft.com/office/drawing/2014/main" val="10003"/>
-                  </a:ext>
-                </a:extLst>
-              </a:tr>
-              <a:tr h="630283">
-                <a:tc rowSpan="2">
-                  <a:txBody>
-                    <a:bodyPr/>
-                    <a:lstStyle/>
-                    <a:p>
-                      <a:pPr algn="ctr" latinLnBrk="1"/>
-                      <a:r>
-                        <a:rPr lang="ko-KR" altLang="en-US" sz="2400" b="1" dirty="0" smtClean="0"/>
-                        <a:t>희귀</a:t>
-                      </a:r>
-                      <a:endParaRPr lang="en-US" altLang="ko-KR" sz="2000" b="1" dirty="0" smtClean="0"/>
-                    </a:p>
-                    <a:p>
-                      <a:pPr algn="ctr" latinLnBrk="1"/>
-                      <a:r>
-                        <a:rPr lang="ko-KR" altLang="en-US" sz="1600" dirty="0" smtClean="0"/>
-                        <a:t>해당 상황은 빈번하게</a:t>
-                      </a:r>
-                      <a:endParaRPr lang="en-US" altLang="ko-KR" sz="1600" dirty="0" smtClean="0"/>
-                    </a:p>
-                    <a:p>
-                      <a:pPr algn="ctr" latinLnBrk="1"/>
-                      <a:r>
-                        <a:rPr lang="ko-KR" altLang="en-US" sz="1600" dirty="0" smtClean="0"/>
-                        <a:t>등장하는가</a:t>
-                      </a:r>
-                      <a:r>
-                        <a:rPr lang="en-US" altLang="ko-KR" sz="1600" dirty="0" smtClean="0"/>
-                        <a:t>?</a:t>
-                      </a:r>
-                      <a:endParaRPr lang="ko-KR" altLang="en-US" sz="1600" dirty="0"/>
-                    </a:p>
-                  </a:txBody>
-                  <a:tcPr anchor="ctr"/>
-                </a:tc>
-                <a:tc>
-                  <a:txBody>
-                    <a:bodyPr/>
-                    <a:lstStyle/>
-                    <a:p>
-                      <a:pPr algn="ctr" latinLnBrk="1"/>
-                      <a:r>
-                        <a:rPr lang="ko-KR" altLang="en-US" sz="1400" dirty="0" smtClean="0"/>
-                        <a:t>드묾</a:t>
-                      </a:r>
-                      <a:endParaRPr lang="ko-KR" altLang="en-US" sz="1400" dirty="0"/>
-                    </a:p>
-                  </a:txBody>
-                  <a:tcPr anchor="ctr"/>
-                </a:tc>
-                <a:tc>
-                  <a:txBody>
-                    <a:bodyPr/>
-                    <a:lstStyle/>
-                    <a:p>
-                      <a:pPr algn="ctr" latinLnBrk="1"/>
-                      <a:r>
-                        <a:rPr lang="ko-KR" altLang="en-US" sz="1400" dirty="0" smtClean="0"/>
-                        <a:t>흔함</a:t>
-                      </a:r>
-                      <a:endParaRPr lang="en-US" altLang="ko-KR" sz="1400" dirty="0" smtClean="0"/>
-                    </a:p>
-                  </a:txBody>
-                  <a:tcPr anchor="ctr"/>
-                </a:tc>
-                <a:extLst>
-                  <a:ext uri="{0D108BD9-81ED-4DB2-BD59-A6C34878D82A}">
-                    <a16:rowId xmlns:a16="http://schemas.microsoft.com/office/drawing/2014/main" val="10004"/>
-                  </a:ext>
-                </a:extLst>
-              </a:tr>
-              <a:tr h="630283">
-                <a:tc vMerge="1">
-                  <a:txBody>
-                    <a:bodyPr/>
-                    <a:lstStyle/>
-                    <a:p>
-                      <a:pPr latinLnBrk="1"/>
-                      <a:endParaRPr lang="ko-KR" altLang="en-US" dirty="0"/>
-                    </a:p>
-                  </a:txBody>
-                  <a:tcPr/>
-                </a:tc>
-                <a:tc gridSpan="2">
-                  <a:txBody>
-                    <a:bodyPr/>
-                    <a:lstStyle/>
-                    <a:p>
-                      <a:pPr algn="ctr" latinLnBrk="1"/>
-                      <a:r>
-                        <a:rPr lang="en-US" altLang="ko-KR" sz="1400" dirty="0" smtClean="0"/>
-                        <a:t>5            4            3            2            1</a:t>
-                      </a:r>
-                      <a:endParaRPr lang="ko-KR" altLang="en-US" sz="1400" dirty="0"/>
-                    </a:p>
-                  </a:txBody>
-                  <a:tcPr anchor="ctr"/>
-                </a:tc>
-                <a:tc hMerge="1">
-                  <a:txBody>
-                    <a:bodyPr/>
-                    <a:lstStyle/>
-                    <a:p>
-                      <a:pPr algn="ctr" latinLnBrk="1"/>
-                      <a:endParaRPr lang="ko-KR" altLang="en-US" sz="1400" dirty="0"/>
-                    </a:p>
-                  </a:txBody>
-                  <a:tcPr anchor="ctr"/>
-                </a:tc>
-                <a:extLst>
-                  <a:ext uri="{0D108BD9-81ED-4DB2-BD59-A6C34878D82A}">
-                    <a16:rowId xmlns:a16="http://schemas.microsoft.com/office/drawing/2014/main" val="10005"/>
-                  </a:ext>
-                </a:extLst>
-              </a:tr>
-              <a:tr h="630283">
-                <a:tc rowSpan="2">
-                  <a:txBody>
-                    <a:bodyPr/>
-                    <a:lstStyle/>
-                    <a:p>
-                      <a:pPr algn="ctr" latinLnBrk="1"/>
-                      <a:r>
-                        <a:rPr lang="ko-KR" altLang="en-US" sz="2400" b="1" dirty="0" smtClean="0"/>
-                        <a:t>원인</a:t>
-                      </a:r>
-                      <a:endParaRPr lang="en-US" altLang="ko-KR" sz="2000" b="1" dirty="0" smtClean="0"/>
-                    </a:p>
-                    <a:p>
-                      <a:pPr algn="ctr" latinLnBrk="1"/>
-                      <a:r>
-                        <a:rPr lang="ko-KR" altLang="en-US" sz="1600" dirty="0" smtClean="0"/>
-                        <a:t>상황 발생의 원인은</a:t>
-                      </a:r>
-                      <a:endParaRPr lang="en-US" altLang="ko-KR" sz="1600" dirty="0" smtClean="0"/>
-                    </a:p>
-                    <a:p>
-                      <a:pPr algn="ctr" latinLnBrk="1"/>
-                      <a:r>
-                        <a:rPr lang="ko-KR" altLang="en-US" sz="1600" dirty="0" smtClean="0"/>
-                        <a:t>어디에 있는가</a:t>
-                      </a:r>
-                      <a:r>
-                        <a:rPr lang="en-US" altLang="ko-KR" sz="1600" dirty="0" smtClean="0"/>
-                        <a:t>?</a:t>
-                      </a:r>
-                      <a:endParaRPr lang="ko-KR" altLang="en-US" sz="1600" dirty="0"/>
-                    </a:p>
-                  </a:txBody>
-                  <a:tcPr anchor="ctr"/>
-                </a:tc>
-                <a:tc>
-                  <a:txBody>
-                    <a:bodyPr/>
-                    <a:lstStyle/>
-                    <a:p>
-                      <a:pPr algn="ctr" latinLnBrk="1"/>
-                      <a:r>
-                        <a:rPr lang="ko-KR" altLang="en-US" sz="1400" dirty="0" smtClean="0"/>
-                        <a:t>외재적</a:t>
-                      </a:r>
-                      <a:endParaRPr lang="ko-KR" altLang="en-US" sz="1400" dirty="0"/>
-                    </a:p>
-                  </a:txBody>
-                  <a:tcPr anchor="ctr"/>
-                </a:tc>
-                <a:tc>
-                  <a:txBody>
-                    <a:bodyPr/>
-                    <a:lstStyle/>
-                    <a:p>
-                      <a:pPr algn="ctr" latinLnBrk="1"/>
-                      <a:r>
-                        <a:rPr lang="ko-KR" altLang="en-US" sz="1400" dirty="0" smtClean="0"/>
-                        <a:t>내재적</a:t>
-                      </a:r>
-                      <a:endParaRPr lang="ko-KR" altLang="en-US" sz="1400" dirty="0"/>
-                    </a:p>
-                  </a:txBody>
-                  <a:tcPr anchor="ctr"/>
-                </a:tc>
-                <a:extLst>
-                  <a:ext uri="{0D108BD9-81ED-4DB2-BD59-A6C34878D82A}">
-                    <a16:rowId xmlns:a16="http://schemas.microsoft.com/office/drawing/2014/main" val="10006"/>
-                  </a:ext>
-                </a:extLst>
-              </a:tr>
-              <a:tr h="630283">
-                <a:tc vMerge="1">
-                  <a:txBody>
-                    <a:bodyPr/>
-                    <a:lstStyle/>
-                    <a:p>
-                      <a:pPr latinLnBrk="1"/>
-                      <a:endParaRPr lang="ko-KR" altLang="en-US" dirty="0"/>
-                    </a:p>
-                  </a:txBody>
-                  <a:tcPr/>
-                </a:tc>
-                <a:tc gridSpan="2">
-                  <a:txBody>
-                    <a:bodyPr/>
-                    <a:lstStyle/>
-                    <a:p>
-                      <a:pPr algn="ctr" latinLnBrk="1"/>
-                      <a:r>
-                        <a:rPr lang="en-US" altLang="ko-KR" sz="1400" dirty="0" smtClean="0"/>
-                        <a:t>5            4            3            2            1</a:t>
-                      </a:r>
-                      <a:endParaRPr lang="ko-KR" altLang="en-US" sz="1400" dirty="0"/>
-                    </a:p>
-                  </a:txBody>
-                  <a:tcPr anchor="ctr"/>
-                </a:tc>
-                <a:tc hMerge="1">
-                  <a:txBody>
-                    <a:bodyPr/>
-                    <a:lstStyle/>
-                    <a:p>
-                      <a:pPr algn="ctr" latinLnBrk="1"/>
-                      <a:endParaRPr lang="ko-KR" altLang="en-US" sz="1400" dirty="0"/>
-                    </a:p>
-                  </a:txBody>
-                  <a:tcPr anchor="ctr"/>
-                </a:tc>
-                <a:extLst>
-                  <a:ext uri="{0D108BD9-81ED-4DB2-BD59-A6C34878D82A}">
-                    <a16:rowId xmlns:a16="http://schemas.microsoft.com/office/drawing/2014/main" val="10007"/>
-                  </a:ext>
-                </a:extLst>
-              </a:tr>
-            </a:tbl>
-          </a:graphicData>
-        </a:graphic>
-      </p:graphicFrame>
-      <p:sp>
-        <p:nvSpPr>
-          <p:cNvPr id="9" name="TextBox 8"/>
-          <p:cNvSpPr txBox="1"/>
-          <p:nvPr/>
-        </p:nvSpPr>
-        <p:spPr>
-          <a:xfrm>
-            <a:off x="9018106" y="1598449"/>
-            <a:ext cx="2756263" cy="1631216"/>
-          </a:xfrm>
-          <a:prstGeom prst="rect">
-            <a:avLst/>
-          </a:prstGeom>
-          <a:noFill/>
-        </p:spPr>
-        <p:txBody>
-          <a:bodyPr wrap="square" rtlCol="0">
-            <a:spAutoFit/>
-          </a:bodyPr>
-          <a:lstStyle/>
-          <a:p>
-            <a:pPr algn="ctr"/>
-            <a:r>
-              <a:rPr lang="ko-KR" altLang="en-US" sz="2000" dirty="0"/>
-              <a:t>항목별 점수 총합 기준</a:t>
-            </a:r>
-            <a:endParaRPr lang="en-US" altLang="ko-KR" sz="2000" dirty="0"/>
-          </a:p>
-          <a:p>
-            <a:pPr algn="ctr"/>
-            <a:endParaRPr lang="en-US" altLang="ko-KR" sz="2000" dirty="0"/>
-          </a:p>
-          <a:p>
-            <a:pPr algn="ctr"/>
-            <a:r>
-              <a:rPr lang="en-US" altLang="ko-KR" sz="2000" b="1" dirty="0"/>
-              <a:t>0 ~ 10  =  </a:t>
-            </a:r>
-            <a:r>
-              <a:rPr lang="en-US" altLang="ko-KR" sz="2000" b="1" dirty="0">
-                <a:solidFill>
-                  <a:schemeClr val="bg1">
-                    <a:lumMod val="50000"/>
-                  </a:schemeClr>
-                </a:solidFill>
-              </a:rPr>
-              <a:t>N</a:t>
-            </a:r>
-            <a:r>
-              <a:rPr lang="en-US" altLang="ko-KR" sz="2000" b="1" dirty="0">
-                <a:solidFill>
-                  <a:srgbClr val="0070C0"/>
-                </a:solidFill>
-              </a:rPr>
-              <a:t> </a:t>
-            </a:r>
-            <a:r>
-              <a:rPr lang="en-US" altLang="ko-KR" sz="2000" b="1" dirty="0"/>
-              <a:t>/ </a:t>
-            </a:r>
-            <a:r>
-              <a:rPr lang="en-US" altLang="ko-KR" sz="2000" b="1" dirty="0">
-                <a:solidFill>
-                  <a:srgbClr val="00B050"/>
-                </a:solidFill>
-              </a:rPr>
-              <a:t>E</a:t>
-            </a:r>
-          </a:p>
-          <a:p>
-            <a:pPr algn="ctr"/>
-            <a:endParaRPr lang="en-US" altLang="ko-KR" sz="2000" dirty="0"/>
-          </a:p>
-          <a:p>
-            <a:pPr algn="ctr"/>
-            <a:r>
-              <a:rPr lang="en-US" altLang="ko-KR" sz="2000" b="1" dirty="0"/>
-              <a:t>14 ~ 20  =  </a:t>
-            </a:r>
-            <a:r>
-              <a:rPr lang="en-US" altLang="ko-KR" sz="2000" b="1" dirty="0">
-                <a:solidFill>
-                  <a:srgbClr val="0070C0"/>
-                </a:solidFill>
-              </a:rPr>
-              <a:t>S</a:t>
-            </a:r>
-            <a:r>
-              <a:rPr lang="en-US" altLang="ko-KR" sz="2000" b="1" dirty="0">
-                <a:solidFill>
-                  <a:srgbClr val="FF0000"/>
-                </a:solidFill>
-              </a:rPr>
-              <a:t> </a:t>
-            </a:r>
-            <a:r>
-              <a:rPr lang="en-US" altLang="ko-KR" sz="2000" b="1" dirty="0"/>
-              <a:t>/ </a:t>
-            </a:r>
-            <a:r>
-              <a:rPr lang="en-US" altLang="ko-KR" sz="2000" b="1" dirty="0">
-                <a:solidFill>
-                  <a:srgbClr val="FF0000"/>
-                </a:solidFill>
-              </a:rPr>
-              <a:t>C</a:t>
-            </a:r>
-            <a:endParaRPr lang="ko-KR" altLang="en-US" sz="2000" b="1" dirty="0">
-              <a:solidFill>
-                <a:srgbClr val="FF0000"/>
-              </a:solidFill>
-            </a:endParaRPr>
-          </a:p>
-        </p:txBody>
-      </p:sp>
-      <p:sp>
-        <p:nvSpPr>
-          <p:cNvPr id="10" name="모서리가 둥근 직사각형 9"/>
-          <p:cNvSpPr/>
-          <p:nvPr/>
-        </p:nvSpPr>
-        <p:spPr>
-          <a:xfrm>
-            <a:off x="9399873" y="3877884"/>
-            <a:ext cx="1002039" cy="918194"/>
-          </a:xfrm>
-          <a:prstGeom prst="roundRect">
-            <a:avLst/>
-          </a:prstGeom>
-        </p:spPr>
-        <p:style>
-          <a:lnRef idx="2">
-            <a:schemeClr val="accent1">
-              <a:shade val="50000"/>
-            </a:schemeClr>
-          </a:lnRef>
-          <a:fillRef idx="1">
-            <a:schemeClr val="accent1"/>
-          </a:fillRef>
-          <a:effectRef idx="0">
-            <a:schemeClr val="accent1"/>
-          </a:effectRef>
-          <a:fontRef idx="minor">
-            <a:schemeClr val="lt1"/>
-          </a:fontRef>
-        </p:style>
-        <p:txBody>
-          <a:bodyPr rtlCol="0" anchor="ctr"/>
-          <a:lstStyle/>
-          <a:p>
-            <a:pPr algn="ctr"/>
-            <a:r>
-              <a:rPr lang="en-US" altLang="ko-KR" sz="1100" b="1" dirty="0" smtClean="0"/>
-              <a:t>Novice</a:t>
-            </a:r>
-            <a:endParaRPr lang="ko-KR" altLang="en-US" sz="1100" b="1" dirty="0"/>
-          </a:p>
-        </p:txBody>
-      </p:sp>
-      <p:sp>
-        <p:nvSpPr>
-          <p:cNvPr id="11" name="모서리가 둥근 직사각형 10"/>
-          <p:cNvSpPr/>
-          <p:nvPr/>
-        </p:nvSpPr>
-        <p:spPr>
-          <a:xfrm>
-            <a:off x="10563313" y="3877884"/>
-            <a:ext cx="1002039" cy="918194"/>
-          </a:xfrm>
-          <a:prstGeom prst="roundRect">
-            <a:avLst/>
-          </a:prstGeom>
-        </p:spPr>
-        <p:style>
-          <a:lnRef idx="2">
-            <a:schemeClr val="accent1">
-              <a:shade val="50000"/>
-            </a:schemeClr>
-          </a:lnRef>
-          <a:fillRef idx="1">
-            <a:schemeClr val="accent1"/>
-          </a:fillRef>
-          <a:effectRef idx="0">
-            <a:schemeClr val="accent1"/>
-          </a:effectRef>
-          <a:fontRef idx="minor">
-            <a:schemeClr val="lt1"/>
-          </a:fontRef>
-        </p:style>
-        <p:txBody>
-          <a:bodyPr rtlCol="0" anchor="ctr"/>
-          <a:lstStyle/>
-          <a:p>
-            <a:pPr algn="ctr"/>
-            <a:r>
-              <a:rPr lang="en-US" altLang="ko-KR" sz="1200" b="1" dirty="0" smtClean="0"/>
-              <a:t>Slap</a:t>
-            </a:r>
-          </a:p>
-          <a:p>
-            <a:pPr algn="ctr"/>
-            <a:r>
-              <a:rPr lang="en-US" altLang="ko-KR" sz="1200" b="1" dirty="0" smtClean="0"/>
-              <a:t>Stick</a:t>
-            </a:r>
-            <a:endParaRPr lang="ko-KR" altLang="en-US" sz="1200" b="1" dirty="0"/>
-          </a:p>
-        </p:txBody>
-      </p:sp>
-      <p:sp>
-        <p:nvSpPr>
-          <p:cNvPr id="12" name="모서리가 둥근 직사각형 11"/>
-          <p:cNvSpPr/>
-          <p:nvPr/>
-        </p:nvSpPr>
-        <p:spPr>
-          <a:xfrm>
-            <a:off x="9399873" y="4947655"/>
-            <a:ext cx="1002039" cy="918194"/>
-          </a:xfrm>
-          <a:prstGeom prst="roundRect">
-            <a:avLst/>
-          </a:prstGeom>
-        </p:spPr>
-        <p:style>
-          <a:lnRef idx="2">
-            <a:schemeClr val="accent1">
-              <a:shade val="50000"/>
-            </a:schemeClr>
-          </a:lnRef>
-          <a:fillRef idx="1">
-            <a:schemeClr val="accent1"/>
-          </a:fillRef>
-          <a:effectRef idx="0">
-            <a:schemeClr val="accent1"/>
-          </a:effectRef>
-          <a:fontRef idx="minor">
-            <a:schemeClr val="lt1"/>
-          </a:fontRef>
-        </p:style>
-        <p:txBody>
-          <a:bodyPr rtlCol="0" anchor="ctr"/>
-          <a:lstStyle/>
-          <a:p>
-            <a:pPr algn="ctr"/>
-            <a:r>
-              <a:rPr lang="en-US" altLang="ko-KR" sz="1200" b="1" dirty="0" smtClean="0"/>
-              <a:t>Expert</a:t>
-            </a:r>
-            <a:endParaRPr lang="ko-KR" altLang="en-US" sz="1200" b="1" dirty="0"/>
-          </a:p>
-        </p:txBody>
-      </p:sp>
-      <p:sp>
-        <p:nvSpPr>
-          <p:cNvPr id="13" name="모서리가 둥근 직사각형 12"/>
-          <p:cNvSpPr/>
-          <p:nvPr/>
-        </p:nvSpPr>
-        <p:spPr>
-          <a:xfrm>
-            <a:off x="10563313" y="4947655"/>
-            <a:ext cx="1002039" cy="918194"/>
-          </a:xfrm>
-          <a:prstGeom prst="roundRect">
-            <a:avLst/>
-          </a:prstGeom>
-        </p:spPr>
-        <p:style>
-          <a:lnRef idx="2">
-            <a:schemeClr val="accent1">
-              <a:shade val="50000"/>
-            </a:schemeClr>
-          </a:lnRef>
-          <a:fillRef idx="1">
-            <a:schemeClr val="accent1"/>
-          </a:fillRef>
-          <a:effectRef idx="0">
-            <a:schemeClr val="accent1"/>
-          </a:effectRef>
-          <a:fontRef idx="minor">
-            <a:schemeClr val="lt1"/>
-          </a:fontRef>
-        </p:style>
-        <p:txBody>
-          <a:bodyPr rtlCol="0" anchor="ctr"/>
-          <a:lstStyle/>
-          <a:p>
-            <a:pPr algn="ctr"/>
-            <a:r>
-              <a:rPr lang="en-US" altLang="ko-KR" sz="1200" b="1" dirty="0" smtClean="0"/>
-              <a:t>Circus</a:t>
-            </a:r>
-            <a:endParaRPr lang="ko-KR" altLang="en-US" sz="1200" b="1" dirty="0"/>
-          </a:p>
-        </p:txBody>
-      </p:sp>
-      <p:sp>
-        <p:nvSpPr>
-          <p:cNvPr id="15" name="액자 14"/>
-          <p:cNvSpPr/>
-          <p:nvPr/>
-        </p:nvSpPr>
-        <p:spPr>
-          <a:xfrm>
-            <a:off x="9222377" y="3762104"/>
-            <a:ext cx="1275067" cy="2213302"/>
-          </a:xfrm>
-          <a:prstGeom prst="frame">
-            <a:avLst>
-              <a:gd name="adj1" fmla="val 1630"/>
-            </a:avLst>
-          </a:prstGeom>
-          <a:solidFill>
-            <a:srgbClr val="FF0000"/>
-          </a:solidFill>
-          <a:ln>
-            <a:solidFill>
-              <a:srgbClr val="FF0000"/>
-            </a:solidFill>
-          </a:ln>
-        </p:spPr>
-        <p:style>
-          <a:lnRef idx="2">
-            <a:schemeClr val="accent1">
-              <a:shade val="50000"/>
-            </a:schemeClr>
-          </a:lnRef>
-          <a:fillRef idx="1">
-            <a:schemeClr val="accent1"/>
-          </a:fillRef>
-          <a:effectRef idx="0">
-            <a:schemeClr val="accent1"/>
-          </a:effectRef>
-          <a:fontRef idx="minor">
-            <a:schemeClr val="lt1"/>
-          </a:fontRef>
-        </p:style>
-        <p:txBody>
-          <a:bodyPr rtlCol="0" anchor="ctr"/>
-          <a:lstStyle/>
-          <a:p>
-            <a:pPr algn="ctr"/>
-            <a:endParaRPr lang="ko-KR" altLang="en-US">
-              <a:solidFill>
-                <a:schemeClr val="tx1"/>
-              </a:solidFill>
-            </a:endParaRPr>
-          </a:p>
-        </p:txBody>
-      </p:sp>
-      <p:sp>
-        <p:nvSpPr>
-          <p:cNvPr id="17" name="액자 16"/>
-          <p:cNvSpPr/>
-          <p:nvPr/>
-        </p:nvSpPr>
-        <p:spPr>
-          <a:xfrm>
-            <a:off x="10482585" y="3762104"/>
-            <a:ext cx="1195609" cy="2213302"/>
-          </a:xfrm>
-          <a:prstGeom prst="frame">
-            <a:avLst>
-              <a:gd name="adj1" fmla="val 1630"/>
-            </a:avLst>
-          </a:prstGeom>
-          <a:solidFill>
-            <a:srgbClr val="FF0000"/>
-          </a:solidFill>
-          <a:ln>
-            <a:solidFill>
-              <a:srgbClr val="FF0000"/>
-            </a:solidFill>
-          </a:ln>
-        </p:spPr>
-        <p:style>
-          <a:lnRef idx="2">
-            <a:schemeClr val="accent1">
-              <a:shade val="50000"/>
-            </a:schemeClr>
-          </a:lnRef>
-          <a:fillRef idx="1">
-            <a:schemeClr val="accent1"/>
-          </a:fillRef>
-          <a:effectRef idx="0">
-            <a:schemeClr val="accent1"/>
-          </a:effectRef>
-          <a:fontRef idx="minor">
-            <a:schemeClr val="lt1"/>
-          </a:fontRef>
-        </p:style>
-        <p:txBody>
-          <a:bodyPr rtlCol="0" anchor="ctr"/>
-          <a:lstStyle/>
-          <a:p>
-            <a:pPr algn="ctr"/>
-            <a:endParaRPr lang="ko-KR" altLang="en-US">
-              <a:solidFill>
-                <a:schemeClr val="tx1"/>
-              </a:solidFill>
-            </a:endParaRPr>
-          </a:p>
-        </p:txBody>
-      </p:sp>
-    </p:spTree>
-    <p:extLst>
-      <p:ext uri="{BB962C8B-B14F-4D97-AF65-F5344CB8AC3E}">
-        <p14:creationId xmlns:p14="http://schemas.microsoft.com/office/powerpoint/2010/main" val="1839295026"/>
-      </p:ext>
-    </p:extLst>
-  </p:cSld>
-  <p:clrMapOvr>
-    <a:masterClrMapping/>
-  </p:clrMapOvr>
-  <p:timing>
-    <p:tnLst>
-      <p:par>
-        <p:cTn id="1" dur="indefinite" restart="never" nodeType="tmRoot"/>
-      </p:par>
-    </p:tnLst>
-  </p:timing>
-</p:sld>
-</file>
-
-<file path=ppt/slides/slide5.xml><?xml version="1.0" encoding="utf-8"?>
-<p:sld xmlns:a="http://schemas.openxmlformats.org/drawingml/2006/main" xmlns:r="http://schemas.openxmlformats.org/officeDocument/2006/relationships" xmlns:p="http://schemas.openxmlformats.org/presentationml/2006/main">
-  <p:cSld>
-    <p:bg>
-      <p:bgPr>
-        <a:solidFill>
-          <a:srgbClr val="EAEEFA"/>
-        </a:solidFill>
-        <a:effectLst/>
-      </p:bgPr>
-    </p:bg>
-    <p:spTree>
-      <p:nvGrpSpPr>
-        <p:cNvPr id="1" name=""/>
-        <p:cNvGrpSpPr/>
-        <p:nvPr/>
-      </p:nvGrpSpPr>
-      <p:grpSpPr>
-        <a:xfrm>
-          <a:off x="0" y="0"/>
-          <a:ext cx="0" cy="0"/>
-          <a:chOff x="0" y="0"/>
-          <a:chExt cx="0" cy="0"/>
-        </a:xfrm>
-      </p:grpSpPr>
-      <p:cxnSp>
-        <p:nvCxnSpPr>
-          <p:cNvPr id="23" name="직선 연결선 22"/>
-          <p:cNvCxnSpPr/>
-          <p:nvPr/>
-        </p:nvCxnSpPr>
-        <p:spPr>
-          <a:xfrm>
-            <a:off x="589055" y="427040"/>
-            <a:ext cx="10800000" cy="0"/>
-          </a:xfrm>
-          <a:prstGeom prst="line">
-            <a:avLst/>
-          </a:prstGeom>
-          <a:ln>
-            <a:solidFill>
-              <a:srgbClr val="D02646"/>
-            </a:solidFill>
-          </a:ln>
-        </p:spPr>
-        <p:style>
-          <a:lnRef idx="1">
-            <a:schemeClr val="accent1"/>
-          </a:lnRef>
-          <a:fillRef idx="0">
-            <a:schemeClr val="accent1"/>
-          </a:fillRef>
-          <a:effectRef idx="0">
-            <a:schemeClr val="accent1"/>
-          </a:effectRef>
-          <a:fontRef idx="minor">
-            <a:schemeClr val="tx1"/>
-          </a:fontRef>
-        </p:style>
-      </p:cxnSp>
-      <p:sp>
-        <p:nvSpPr>
-          <p:cNvPr id="24" name="직사각형 23"/>
-          <p:cNvSpPr/>
-          <p:nvPr/>
-        </p:nvSpPr>
-        <p:spPr>
-          <a:xfrm>
-            <a:off x="3646530" y="0"/>
-            <a:ext cx="4971967" cy="646331"/>
-          </a:xfrm>
-          <a:prstGeom prst="rect">
-            <a:avLst/>
-          </a:prstGeom>
-          <a:solidFill>
-            <a:srgbClr val="EAEEFA"/>
-          </a:solidFill>
-        </p:spPr>
-        <p:txBody>
-          <a:bodyPr wrap="square">
-            <a:spAutoFit/>
-          </a:bodyPr>
-          <a:lstStyle/>
-          <a:p>
-            <a:pPr algn="ctr" fontAlgn="base"/>
-            <a:r>
-              <a:rPr lang="ko-KR" altLang="en-US" b="1" dirty="0"/>
-              <a:t>방송을 통한 </a:t>
-            </a:r>
-            <a:r>
-              <a:rPr lang="ko-KR" altLang="en-US" b="1" dirty="0" err="1"/>
-              <a:t>루돌로지</a:t>
-            </a:r>
-            <a:r>
-              <a:rPr lang="ko-KR" altLang="en-US" b="1" dirty="0"/>
-              <a:t> 게임의 </a:t>
-            </a:r>
-            <a:r>
-              <a:rPr lang="ko-KR" altLang="en-US" b="1" dirty="0" err="1"/>
-              <a:t>스토리텔링</a:t>
-            </a:r>
-            <a:r>
-              <a:rPr lang="ko-KR" altLang="en-US" b="1" dirty="0"/>
-              <a:t> </a:t>
-            </a:r>
-            <a:r>
-              <a:rPr lang="en-US" altLang="ko-KR" b="1" dirty="0" smtClean="0"/>
-              <a:t/>
-            </a:r>
-            <a:br>
-              <a:rPr lang="en-US" altLang="ko-KR" b="1" dirty="0" smtClean="0"/>
-            </a:br>
-            <a:r>
-              <a:rPr lang="ko-KR" altLang="en-US" b="1" dirty="0" smtClean="0"/>
-              <a:t>획득과 </a:t>
-            </a:r>
-            <a:r>
-              <a:rPr lang="ko-KR" altLang="en-US" b="1" dirty="0"/>
-              <a:t>게임 기획에의 적용 </a:t>
-            </a:r>
-            <a:r>
-              <a:rPr lang="ko-KR" altLang="en-US" b="1" dirty="0" smtClean="0"/>
-              <a:t>연구</a:t>
-            </a:r>
-            <a:endParaRPr lang="ko-KR" altLang="en-US" b="1" dirty="0"/>
-          </a:p>
-        </p:txBody>
-      </p:sp>
       <p:cxnSp>
         <p:nvCxnSpPr>
           <p:cNvPr id="25" name="직선 연결선 24"/>
@@ -7216,7 +6484,7 @@
 </p:sld>
 </file>
 
-<file path=ppt/slides/slide6.xml><?xml version="1.0" encoding="utf-8"?>
+<file path=ppt/slides/slide5.xml><?xml version="1.0" encoding="utf-8"?>
 <p:sld xmlns:a="http://schemas.openxmlformats.org/drawingml/2006/main" xmlns:r="http://schemas.openxmlformats.org/officeDocument/2006/relationships" xmlns:p="http://schemas.openxmlformats.org/presentationml/2006/main">
   <p:cSld>
     <p:bg>
@@ -7276,74 +6544,6 @@
           </a:fontRef>
         </p:style>
       </p:cxnSp>
-      <p:sp>
-        <p:nvSpPr>
-          <p:cNvPr id="24" name="직사각형 23"/>
-          <p:cNvSpPr/>
-          <p:nvPr/>
-        </p:nvSpPr>
-        <p:spPr>
-          <a:xfrm>
-            <a:off x="3646530" y="0"/>
-            <a:ext cx="4971967" cy="646331"/>
-          </a:xfrm>
-          <a:prstGeom prst="rect">
-            <a:avLst/>
-          </a:prstGeom>
-          <a:solidFill>
-            <a:srgbClr val="EAEEFA"/>
-          </a:solidFill>
-        </p:spPr>
-        <p:txBody>
-          <a:bodyPr wrap="square">
-            <a:spAutoFit/>
-          </a:bodyPr>
-          <a:lstStyle/>
-          <a:p>
-            <a:pPr algn="ctr" fontAlgn="base"/>
-            <a:r>
-              <a:rPr lang="ko-KR" altLang="en-US" b="1" dirty="0"/>
-              <a:t>방송을 통한 </a:t>
-            </a:r>
-            <a:r>
-              <a:rPr lang="ko-KR" altLang="en-US" b="1" dirty="0" err="1"/>
-              <a:t>루돌로지</a:t>
-            </a:r>
-            <a:r>
-              <a:rPr lang="ko-KR" altLang="en-US" b="1" dirty="0"/>
-              <a:t> 게임의 </a:t>
-            </a:r>
-            <a:r>
-              <a:rPr lang="ko-KR" altLang="en-US" b="1" dirty="0" err="1"/>
-              <a:t>스토리텔링</a:t>
-            </a:r>
-            <a:r>
-              <a:rPr lang="ko-KR" altLang="en-US" b="1" dirty="0"/>
-              <a:t> </a:t>
-            </a:r>
-            <a:r>
-              <a:rPr lang="en-US" altLang="ko-KR" b="1" dirty="0" smtClean="0"/>
-              <a:t/>
-            </a:r>
-            <a:br>
-              <a:rPr lang="en-US" altLang="ko-KR" b="1" dirty="0" smtClean="0"/>
-            </a:br>
-            <a:r>
-              <a:rPr lang="ko-KR" altLang="en-US" b="1" dirty="0" smtClean="0"/>
-              <a:t>획득과 </a:t>
-            </a:r>
-            <a:r>
-              <a:rPr lang="ko-KR" altLang="en-US" b="1" dirty="0"/>
-              <a:t>게임 기획에의 적용 </a:t>
-            </a:r>
-            <a:r>
-              <a:rPr lang="ko-KR" altLang="en-US" b="1" dirty="0" smtClean="0"/>
-              <a:t>연구</a:t>
-            </a:r>
-            <a:endParaRPr lang="ko-KR" altLang="en-US" b="1" dirty="0"/>
-          </a:p>
-        </p:txBody>
-      </p:sp>
       <p:cxnSp>
         <p:nvCxnSpPr>
           <p:cNvPr id="25" name="직선 연결선 24"/>
@@ -7756,11 +6956,7 @@
                       <a:pPr algn="ctr" latinLnBrk="1"/>
                       <a:r>
                         <a:rPr lang="en-US" altLang="ko-KR" dirty="0" smtClean="0"/>
-                        <a:t>22.22 </a:t>
-                      </a:r>
-                      <a:r>
-                        <a:rPr lang="en-US" altLang="ko-KR" dirty="0" smtClean="0"/>
-                        <a:t>%</a:t>
+                        <a:t>22.22 %</a:t>
                       </a:r>
                       <a:endParaRPr lang="ko-KR" altLang="en-US" dirty="0"/>
                     </a:p>
@@ -7779,11 +6975,7 @@
                       </a:r>
                       <a:r>
                         <a:rPr lang="en-US" altLang="ko-KR" baseline="0" dirty="0" smtClean="0"/>
-                        <a:t> </a:t>
-                      </a:r>
-                      <a:r>
-                        <a:rPr lang="en-US" altLang="ko-KR" baseline="0" dirty="0" smtClean="0"/>
-                        <a:t>%</a:t>
+                        <a:t> %</a:t>
                       </a:r>
                       <a:endParaRPr lang="ko-KR" altLang="en-US" dirty="0"/>
                     </a:p>
@@ -7798,11 +6990,7 @@
                       <a:pPr algn="ctr" latinLnBrk="1"/>
                       <a:r>
                         <a:rPr lang="en-US" altLang="ko-KR" dirty="0" smtClean="0"/>
-                        <a:t>50 </a:t>
-                      </a:r>
-                      <a:r>
-                        <a:rPr lang="en-US" altLang="ko-KR" dirty="0" smtClean="0"/>
-                        <a:t>%</a:t>
+                        <a:t>50 %</a:t>
                       </a:r>
                     </a:p>
                   </a:txBody>
@@ -8219,7 +7407,7 @@
 </p:sld>
 </file>
 
-<file path=ppt/slides/slide7.xml><?xml version="1.0" encoding="utf-8"?>
+<file path=ppt/slides/slide6.xml><?xml version="1.0" encoding="utf-8"?>
 <p:sld xmlns:a="http://schemas.openxmlformats.org/drawingml/2006/main" xmlns:r="http://schemas.openxmlformats.org/officeDocument/2006/relationships" xmlns:p="http://schemas.openxmlformats.org/presentationml/2006/main">
   <p:cSld>
     <p:bg>
@@ -8279,74 +7467,6 @@
           </a:fontRef>
         </p:style>
       </p:cxnSp>
-      <p:sp>
-        <p:nvSpPr>
-          <p:cNvPr id="24" name="직사각형 23"/>
-          <p:cNvSpPr/>
-          <p:nvPr/>
-        </p:nvSpPr>
-        <p:spPr>
-          <a:xfrm>
-            <a:off x="3646530" y="0"/>
-            <a:ext cx="4971967" cy="646331"/>
-          </a:xfrm>
-          <a:prstGeom prst="rect">
-            <a:avLst/>
-          </a:prstGeom>
-          <a:solidFill>
-            <a:srgbClr val="EAEEFA"/>
-          </a:solidFill>
-        </p:spPr>
-        <p:txBody>
-          <a:bodyPr wrap="square">
-            <a:spAutoFit/>
-          </a:bodyPr>
-          <a:lstStyle/>
-          <a:p>
-            <a:pPr algn="ctr" fontAlgn="base"/>
-            <a:r>
-              <a:rPr lang="ko-KR" altLang="en-US" b="1" dirty="0"/>
-              <a:t>방송을 통한 </a:t>
-            </a:r>
-            <a:r>
-              <a:rPr lang="ko-KR" altLang="en-US" b="1" dirty="0" err="1"/>
-              <a:t>루돌로지</a:t>
-            </a:r>
-            <a:r>
-              <a:rPr lang="ko-KR" altLang="en-US" b="1" dirty="0"/>
-              <a:t> 게임의 </a:t>
-            </a:r>
-            <a:r>
-              <a:rPr lang="ko-KR" altLang="en-US" b="1" dirty="0" err="1"/>
-              <a:t>스토리텔링</a:t>
-            </a:r>
-            <a:r>
-              <a:rPr lang="ko-KR" altLang="en-US" b="1" dirty="0"/>
-              <a:t> </a:t>
-            </a:r>
-            <a:r>
-              <a:rPr lang="en-US" altLang="ko-KR" b="1" dirty="0" smtClean="0"/>
-              <a:t/>
-            </a:r>
-            <a:br>
-              <a:rPr lang="en-US" altLang="ko-KR" b="1" dirty="0" smtClean="0"/>
-            </a:br>
-            <a:r>
-              <a:rPr lang="ko-KR" altLang="en-US" b="1" dirty="0" smtClean="0"/>
-              <a:t>획득과 </a:t>
-            </a:r>
-            <a:r>
-              <a:rPr lang="ko-KR" altLang="en-US" b="1" dirty="0"/>
-              <a:t>게임 기획에의 적용 </a:t>
-            </a:r>
-            <a:r>
-              <a:rPr lang="ko-KR" altLang="en-US" b="1" dirty="0" smtClean="0"/>
-              <a:t>연구</a:t>
-            </a:r>
-            <a:endParaRPr lang="ko-KR" altLang="en-US" b="1" dirty="0"/>
-          </a:p>
-        </p:txBody>
-      </p:sp>
       <p:cxnSp>
         <p:nvCxnSpPr>
           <p:cNvPr id="25" name="직선 연결선 24"/>
@@ -9179,7 +8299,7 @@
 </p:sld>
 </file>
 
-<file path=ppt/slides/slide8.xml><?xml version="1.0" encoding="utf-8"?>
+<file path=ppt/slides/slide7.xml><?xml version="1.0" encoding="utf-8"?>
 <p:sld xmlns:a="http://schemas.openxmlformats.org/drawingml/2006/main" xmlns:r="http://schemas.openxmlformats.org/officeDocument/2006/relationships" xmlns:p="http://schemas.openxmlformats.org/presentationml/2006/main">
   <p:cSld>
     <p:bg>
@@ -9239,74 +8359,6 @@
           </a:fontRef>
         </p:style>
       </p:cxnSp>
-      <p:sp>
-        <p:nvSpPr>
-          <p:cNvPr id="24" name="직사각형 23"/>
-          <p:cNvSpPr/>
-          <p:nvPr/>
-        </p:nvSpPr>
-        <p:spPr>
-          <a:xfrm>
-            <a:off x="3646530" y="0"/>
-            <a:ext cx="4971967" cy="646331"/>
-          </a:xfrm>
-          <a:prstGeom prst="rect">
-            <a:avLst/>
-          </a:prstGeom>
-          <a:solidFill>
-            <a:srgbClr val="EAEEFA"/>
-          </a:solidFill>
-        </p:spPr>
-        <p:txBody>
-          <a:bodyPr wrap="square">
-            <a:spAutoFit/>
-          </a:bodyPr>
-          <a:lstStyle/>
-          <a:p>
-            <a:pPr algn="ctr" fontAlgn="base"/>
-            <a:r>
-              <a:rPr lang="ko-KR" altLang="en-US" b="1" dirty="0"/>
-              <a:t>방송을 통한 </a:t>
-            </a:r>
-            <a:r>
-              <a:rPr lang="ko-KR" altLang="en-US" b="1" dirty="0" err="1"/>
-              <a:t>루돌로지</a:t>
-            </a:r>
-            <a:r>
-              <a:rPr lang="ko-KR" altLang="en-US" b="1" dirty="0"/>
-              <a:t> 게임의 </a:t>
-            </a:r>
-            <a:r>
-              <a:rPr lang="ko-KR" altLang="en-US" b="1" dirty="0" err="1"/>
-              <a:t>스토리텔링</a:t>
-            </a:r>
-            <a:r>
-              <a:rPr lang="ko-KR" altLang="en-US" b="1" dirty="0"/>
-              <a:t> </a:t>
-            </a:r>
-            <a:r>
-              <a:rPr lang="en-US" altLang="ko-KR" b="1" dirty="0" smtClean="0"/>
-              <a:t/>
-            </a:r>
-            <a:br>
-              <a:rPr lang="en-US" altLang="ko-KR" b="1" dirty="0" smtClean="0"/>
-            </a:br>
-            <a:r>
-              <a:rPr lang="ko-KR" altLang="en-US" b="1" dirty="0" smtClean="0"/>
-              <a:t>획득과 </a:t>
-            </a:r>
-            <a:r>
-              <a:rPr lang="ko-KR" altLang="en-US" b="1" dirty="0"/>
-              <a:t>게임 기획에의 적용 </a:t>
-            </a:r>
-            <a:r>
-              <a:rPr lang="ko-KR" altLang="en-US" b="1" dirty="0" smtClean="0"/>
-              <a:t>연구</a:t>
-            </a:r>
-            <a:endParaRPr lang="ko-KR" altLang="en-US" b="1" dirty="0"/>
-          </a:p>
-        </p:txBody>
-      </p:sp>
       <p:cxnSp>
         <p:nvCxnSpPr>
           <p:cNvPr id="25" name="직선 연결선 24"/>
